--- a/Drills/2DGP_Project/Run&Return/이미지제작용.pptx
+++ b/Drills/2DGP_Project/Run&Return/이미지제작용.pptx
@@ -105,6 +105,11 @@
       </a:defRPr>
     </a:lvl9pPr>
   </p:defaultTextStyle>
+  <p:extLst>
+    <p:ext uri="{EFAFB233-063F-42B5-8137-9DF3F51BA10A}">
+      <p15:sldGuideLst xmlns:p15="http://schemas.microsoft.com/office/powerpoint/2012/main"/>
+    </p:ext>
+  </p:extLst>
 </p:presentation>
 </file>
 
@@ -255,7 +260,7 @@
           <a:p>
             <a:fld id="{0CCA0E59-4C7B-4A67-9185-E4A7154D88F6}" type="datetimeFigureOut">
               <a:rPr lang="ko-KR" altLang="en-US" smtClean="0"/>
-              <a:t>2018-10-18</a:t>
+              <a:t>2018-10-19</a:t>
             </a:fld>
             <a:endParaRPr lang="ko-KR" altLang="en-US"/>
           </a:p>
@@ -453,7 +458,7 @@
           <a:p>
             <a:fld id="{0CCA0E59-4C7B-4A67-9185-E4A7154D88F6}" type="datetimeFigureOut">
               <a:rPr lang="ko-KR" altLang="en-US" smtClean="0"/>
-              <a:t>2018-10-18</a:t>
+              <a:t>2018-10-19</a:t>
             </a:fld>
             <a:endParaRPr lang="ko-KR" altLang="en-US"/>
           </a:p>
@@ -661,7 +666,7 @@
           <a:p>
             <a:fld id="{0CCA0E59-4C7B-4A67-9185-E4A7154D88F6}" type="datetimeFigureOut">
               <a:rPr lang="ko-KR" altLang="en-US" smtClean="0"/>
-              <a:t>2018-10-18</a:t>
+              <a:t>2018-10-19</a:t>
             </a:fld>
             <a:endParaRPr lang="ko-KR" altLang="en-US"/>
           </a:p>
@@ -859,7 +864,7 @@
           <a:p>
             <a:fld id="{0CCA0E59-4C7B-4A67-9185-E4A7154D88F6}" type="datetimeFigureOut">
               <a:rPr lang="ko-KR" altLang="en-US" smtClean="0"/>
-              <a:t>2018-10-18</a:t>
+              <a:t>2018-10-19</a:t>
             </a:fld>
             <a:endParaRPr lang="ko-KR" altLang="en-US"/>
           </a:p>
@@ -1134,7 +1139,7 @@
           <a:p>
             <a:fld id="{0CCA0E59-4C7B-4A67-9185-E4A7154D88F6}" type="datetimeFigureOut">
               <a:rPr lang="ko-KR" altLang="en-US" smtClean="0"/>
-              <a:t>2018-10-18</a:t>
+              <a:t>2018-10-19</a:t>
             </a:fld>
             <a:endParaRPr lang="ko-KR" altLang="en-US"/>
           </a:p>
@@ -1399,7 +1404,7 @@
           <a:p>
             <a:fld id="{0CCA0E59-4C7B-4A67-9185-E4A7154D88F6}" type="datetimeFigureOut">
               <a:rPr lang="ko-KR" altLang="en-US" smtClean="0"/>
-              <a:t>2018-10-18</a:t>
+              <a:t>2018-10-19</a:t>
             </a:fld>
             <a:endParaRPr lang="ko-KR" altLang="en-US"/>
           </a:p>
@@ -1811,7 +1816,7 @@
           <a:p>
             <a:fld id="{0CCA0E59-4C7B-4A67-9185-E4A7154D88F6}" type="datetimeFigureOut">
               <a:rPr lang="ko-KR" altLang="en-US" smtClean="0"/>
-              <a:t>2018-10-18</a:t>
+              <a:t>2018-10-19</a:t>
             </a:fld>
             <a:endParaRPr lang="ko-KR" altLang="en-US"/>
           </a:p>
@@ -1952,7 +1957,7 @@
           <a:p>
             <a:fld id="{0CCA0E59-4C7B-4A67-9185-E4A7154D88F6}" type="datetimeFigureOut">
               <a:rPr lang="ko-KR" altLang="en-US" smtClean="0"/>
-              <a:t>2018-10-18</a:t>
+              <a:t>2018-10-19</a:t>
             </a:fld>
             <a:endParaRPr lang="ko-KR" altLang="en-US"/>
           </a:p>
@@ -2065,7 +2070,7 @@
           <a:p>
             <a:fld id="{0CCA0E59-4C7B-4A67-9185-E4A7154D88F6}" type="datetimeFigureOut">
               <a:rPr lang="ko-KR" altLang="en-US" smtClean="0"/>
-              <a:t>2018-10-18</a:t>
+              <a:t>2018-10-19</a:t>
             </a:fld>
             <a:endParaRPr lang="ko-KR" altLang="en-US"/>
           </a:p>
@@ -2376,7 +2381,7 @@
           <a:p>
             <a:fld id="{0CCA0E59-4C7B-4A67-9185-E4A7154D88F6}" type="datetimeFigureOut">
               <a:rPr lang="ko-KR" altLang="en-US" smtClean="0"/>
-              <a:t>2018-10-18</a:t>
+              <a:t>2018-10-19</a:t>
             </a:fld>
             <a:endParaRPr lang="ko-KR" altLang="en-US"/>
           </a:p>
@@ -2664,7 +2669,7 @@
           <a:p>
             <a:fld id="{0CCA0E59-4C7B-4A67-9185-E4A7154D88F6}" type="datetimeFigureOut">
               <a:rPr lang="ko-KR" altLang="en-US" smtClean="0"/>
-              <a:t>2018-10-18</a:t>
+              <a:t>2018-10-19</a:t>
             </a:fld>
             <a:endParaRPr lang="ko-KR" altLang="en-US"/>
           </a:p>
@@ -2905,7 +2910,7 @@
           <a:p>
             <a:fld id="{0CCA0E59-4C7B-4A67-9185-E4A7154D88F6}" type="datetimeFigureOut">
               <a:rPr lang="ko-KR" altLang="en-US" smtClean="0"/>
-              <a:t>2018-10-18</a:t>
+              <a:t>2018-10-19</a:t>
             </a:fld>
             <a:endParaRPr lang="ko-KR" altLang="en-US"/>
           </a:p>
@@ -3529,12 +3534,129 @@
           <a:chExt cx="0" cy="0"/>
         </a:xfrm>
       </p:grpSpPr>
+      <p:sp>
+        <p:nvSpPr>
+          <p:cNvPr id="8" name="TextBox 7">
+            <a:extLst>
+              <a:ext uri="{FF2B5EF4-FFF2-40B4-BE49-F238E27FC236}">
+                <a16:creationId xmlns:a16="http://schemas.microsoft.com/office/drawing/2014/main" id="{DF64ADA5-8616-4565-B4C9-EF091727980E}"/>
+              </a:ext>
+            </a:extLst>
+          </p:cNvPr>
+          <p:cNvSpPr txBox="1"/>
+          <p:nvPr/>
+        </p:nvSpPr>
+        <p:spPr>
+          <a:xfrm>
+            <a:off x="2030113" y="864066"/>
+            <a:ext cx="1648441" cy="523220"/>
+          </a:xfrm>
+          <a:prstGeom prst="rect">
+            <a:avLst/>
+          </a:prstGeom>
+          <a:noFill/>
+        </p:spPr>
+        <p:txBody>
+          <a:bodyPr wrap="square" rtlCol="0">
+            <a:spAutoFit/>
+          </a:bodyPr>
+          <a:lstStyle/>
+          <a:p>
+            <a:r>
+              <a:rPr lang="ko-KR" altLang="en-US" sz="2800" dirty="0">
+                <a:solidFill>
+                  <a:schemeClr val="bg1"/>
+                </a:solidFill>
+              </a:rPr>
+              <a:t>돌아가기</a:t>
+            </a:r>
+          </a:p>
+        </p:txBody>
+      </p:sp>
+      <p:sp>
+        <p:nvSpPr>
+          <p:cNvPr id="9" name="TextBox 8">
+            <a:extLst>
+              <a:ext uri="{FF2B5EF4-FFF2-40B4-BE49-F238E27FC236}">
+                <a16:creationId xmlns:a16="http://schemas.microsoft.com/office/drawing/2014/main" id="{9CB8A043-586F-40D3-8CE1-4AE7BCFF763D}"/>
+              </a:ext>
+            </a:extLst>
+          </p:cNvPr>
+          <p:cNvSpPr txBox="1"/>
+          <p:nvPr/>
+        </p:nvSpPr>
+        <p:spPr>
+          <a:xfrm>
+            <a:off x="2225155" y="1579037"/>
+            <a:ext cx="1270981" cy="523220"/>
+          </a:xfrm>
+          <a:prstGeom prst="rect">
+            <a:avLst/>
+          </a:prstGeom>
+          <a:noFill/>
+        </p:spPr>
+        <p:txBody>
+          <a:bodyPr wrap="square" rtlCol="0">
+            <a:spAutoFit/>
+          </a:bodyPr>
+          <a:lstStyle/>
+          <a:p>
+            <a:r>
+              <a:rPr lang="ko-KR" altLang="en-US" sz="2800" dirty="0">
+                <a:solidFill>
+                  <a:schemeClr val="bg1"/>
+                </a:solidFill>
+              </a:rPr>
+              <a:t>도움말</a:t>
+            </a:r>
+          </a:p>
+        </p:txBody>
+      </p:sp>
+      <p:sp>
+        <p:nvSpPr>
+          <p:cNvPr id="10" name="TextBox 9">
+            <a:extLst>
+              <a:ext uri="{FF2B5EF4-FFF2-40B4-BE49-F238E27FC236}">
+                <a16:creationId xmlns:a16="http://schemas.microsoft.com/office/drawing/2014/main" id="{15C29BA3-172C-4C52-AC40-5EBC8EEA9CDD}"/>
+              </a:ext>
+            </a:extLst>
+          </p:cNvPr>
+          <p:cNvSpPr txBox="1"/>
+          <p:nvPr/>
+        </p:nvSpPr>
+        <p:spPr>
+          <a:xfrm>
+            <a:off x="2030114" y="2294008"/>
+            <a:ext cx="1648440" cy="523220"/>
+          </a:xfrm>
+          <a:prstGeom prst="rect">
+            <a:avLst/>
+          </a:prstGeom>
+          <a:noFill/>
+        </p:spPr>
+        <p:txBody>
+          <a:bodyPr wrap="square" rtlCol="0">
+            <a:spAutoFit/>
+          </a:bodyPr>
+          <a:lstStyle/>
+          <a:p>
+            <a:r>
+              <a:rPr lang="ko-KR" altLang="en-US" sz="2800" dirty="0">
+                <a:solidFill>
+                  <a:schemeClr val="bg1"/>
+                </a:solidFill>
+              </a:rPr>
+              <a:t>게임종료</a:t>
+            </a:r>
+          </a:p>
+        </p:txBody>
+      </p:sp>
       <p:grpSp>
         <p:nvGrpSpPr>
-          <p:cNvPr id="36" name="그룹 35">
-            <a:extLst>
-              <a:ext uri="{FF2B5EF4-FFF2-40B4-BE49-F238E27FC236}">
-                <a16:creationId xmlns:a16="http://schemas.microsoft.com/office/drawing/2014/main" id="{E97F33CF-4DD6-4711-938A-D1F105102D02}"/>
+          <p:cNvPr id="6" name="그룹 5">
+            <a:extLst>
+              <a:ext uri="{FF2B5EF4-FFF2-40B4-BE49-F238E27FC236}">
+                <a16:creationId xmlns:a16="http://schemas.microsoft.com/office/drawing/2014/main" id="{AEE4524F-465B-4F1D-8C66-D2C74AC005CE}"/>
               </a:ext>
             </a:extLst>
           </p:cNvPr>
@@ -3543,189 +3665,18 @@
         </p:nvGrpSpPr>
         <p:grpSpPr>
           <a:xfrm>
-            <a:off x="989901" y="696284"/>
-            <a:ext cx="14943589" cy="2244055"/>
-            <a:chOff x="989901" y="696284"/>
-            <a:chExt cx="14943589" cy="2244055"/>
+            <a:off x="977597" y="696284"/>
+            <a:ext cx="14955893" cy="2244052"/>
+            <a:chOff x="977597" y="696284"/>
+            <a:chExt cx="14955893" cy="2244052"/>
           </a:xfrm>
         </p:grpSpPr>
-        <p:sp>
-          <p:nvSpPr>
-            <p:cNvPr id="4" name="직사각형 3">
+        <p:grpSp>
+          <p:nvGrpSpPr>
+            <p:cNvPr id="3" name="그룹 2">
               <a:extLst>
                 <a:ext uri="{FF2B5EF4-FFF2-40B4-BE49-F238E27FC236}">
-                  <a16:creationId xmlns:a16="http://schemas.microsoft.com/office/drawing/2014/main" id="{C6031834-1E05-4381-BBA7-CEB05F8BB980}"/>
-                </a:ext>
-              </a:extLst>
-            </p:cNvPr>
-            <p:cNvSpPr/>
-            <p:nvPr/>
-          </p:nvSpPr>
-          <p:spPr>
-            <a:xfrm>
-              <a:off x="989901" y="696287"/>
-              <a:ext cx="3741490" cy="2244052"/>
-            </a:xfrm>
-            <a:prstGeom prst="rect">
-              <a:avLst/>
-            </a:prstGeom>
-            <a:solidFill>
-              <a:schemeClr val="tx1"/>
-            </a:solidFill>
-            <a:ln>
-              <a:solidFill>
-                <a:schemeClr val="tx1"/>
-              </a:solidFill>
-            </a:ln>
-          </p:spPr>
-          <p:style>
-            <a:lnRef idx="2">
-              <a:schemeClr val="accent1">
-                <a:shade val="50000"/>
-              </a:schemeClr>
-            </a:lnRef>
-            <a:fillRef idx="1">
-              <a:schemeClr val="accent1"/>
-            </a:fillRef>
-            <a:effectRef idx="0">
-              <a:schemeClr val="accent1"/>
-            </a:effectRef>
-            <a:fontRef idx="minor">
-              <a:schemeClr val="lt1"/>
-            </a:fontRef>
-          </p:style>
-          <p:txBody>
-            <a:bodyPr rtlCol="0" anchor="ctr"/>
-            <a:lstStyle/>
-            <a:p>
-              <a:pPr algn="ctr"/>
-              <a:endParaRPr lang="ko-KR" altLang="en-US"/>
-            </a:p>
-          </p:txBody>
-        </p:sp>
-        <p:sp>
-          <p:nvSpPr>
-            <p:cNvPr id="8" name="TextBox 7">
-              <a:extLst>
-                <a:ext uri="{FF2B5EF4-FFF2-40B4-BE49-F238E27FC236}">
-                  <a16:creationId xmlns:a16="http://schemas.microsoft.com/office/drawing/2014/main" id="{DF64ADA5-8616-4565-B4C9-EF091727980E}"/>
-                </a:ext>
-              </a:extLst>
-            </p:cNvPr>
-            <p:cNvSpPr txBox="1"/>
-            <p:nvPr/>
-          </p:nvSpPr>
-          <p:spPr>
-            <a:xfrm>
-              <a:off x="2030113" y="864066"/>
-              <a:ext cx="1648441" cy="523220"/>
-            </a:xfrm>
-            <a:prstGeom prst="rect">
-              <a:avLst/>
-            </a:prstGeom>
-            <a:noFill/>
-          </p:spPr>
-          <p:txBody>
-            <a:bodyPr wrap="square" rtlCol="0">
-              <a:spAutoFit/>
-            </a:bodyPr>
-            <a:lstStyle/>
-            <a:p>
-              <a:r>
-                <a:rPr lang="ko-KR" altLang="en-US" sz="2800" dirty="0">
-                  <a:solidFill>
-                    <a:schemeClr val="bg1"/>
-                  </a:solidFill>
-                </a:rPr>
-                <a:t>돌아가기</a:t>
-              </a:r>
-            </a:p>
-          </p:txBody>
-        </p:sp>
-        <p:sp>
-          <p:nvSpPr>
-            <p:cNvPr id="9" name="TextBox 8">
-              <a:extLst>
-                <a:ext uri="{FF2B5EF4-FFF2-40B4-BE49-F238E27FC236}">
-                  <a16:creationId xmlns:a16="http://schemas.microsoft.com/office/drawing/2014/main" id="{9CB8A043-586F-40D3-8CE1-4AE7BCFF763D}"/>
-                </a:ext>
-              </a:extLst>
-            </p:cNvPr>
-            <p:cNvSpPr txBox="1"/>
-            <p:nvPr/>
-          </p:nvSpPr>
-          <p:spPr>
-            <a:xfrm>
-              <a:off x="2225155" y="1579037"/>
-              <a:ext cx="1270981" cy="523220"/>
-            </a:xfrm>
-            <a:prstGeom prst="rect">
-              <a:avLst/>
-            </a:prstGeom>
-            <a:noFill/>
-          </p:spPr>
-          <p:txBody>
-            <a:bodyPr wrap="square" rtlCol="0">
-              <a:spAutoFit/>
-            </a:bodyPr>
-            <a:lstStyle/>
-            <a:p>
-              <a:r>
-                <a:rPr lang="ko-KR" altLang="en-US" sz="2800" dirty="0">
-                  <a:solidFill>
-                    <a:schemeClr val="bg1"/>
-                  </a:solidFill>
-                </a:rPr>
-                <a:t>도움말</a:t>
-              </a:r>
-            </a:p>
-          </p:txBody>
-        </p:sp>
-        <p:sp>
-          <p:nvSpPr>
-            <p:cNvPr id="10" name="TextBox 9">
-              <a:extLst>
-                <a:ext uri="{FF2B5EF4-FFF2-40B4-BE49-F238E27FC236}">
-                  <a16:creationId xmlns:a16="http://schemas.microsoft.com/office/drawing/2014/main" id="{15C29BA3-172C-4C52-AC40-5EBC8EEA9CDD}"/>
-                </a:ext>
-              </a:extLst>
-            </p:cNvPr>
-            <p:cNvSpPr txBox="1"/>
-            <p:nvPr/>
-          </p:nvSpPr>
-          <p:spPr>
-            <a:xfrm>
-              <a:off x="2030114" y="2294008"/>
-              <a:ext cx="1648440" cy="523220"/>
-            </a:xfrm>
-            <a:prstGeom prst="rect">
-              <a:avLst/>
-            </a:prstGeom>
-            <a:noFill/>
-          </p:spPr>
-          <p:txBody>
-            <a:bodyPr wrap="square" rtlCol="0">
-              <a:spAutoFit/>
-            </a:bodyPr>
-            <a:lstStyle/>
-            <a:p>
-              <a:r>
-                <a:rPr lang="ko-KR" altLang="en-US" sz="2800" dirty="0">
-                  <a:solidFill>
-                    <a:schemeClr val="bg1"/>
-                  </a:solidFill>
-                </a:rPr>
-                <a:t>게임종료</a:t>
-              </a:r>
-            </a:p>
-          </p:txBody>
-        </p:sp>
-        <p:grpSp>
-          <p:nvGrpSpPr>
-            <p:cNvPr id="23" name="그룹 22">
-              <a:extLst>
-                <a:ext uri="{FF2B5EF4-FFF2-40B4-BE49-F238E27FC236}">
-                  <a16:creationId xmlns:a16="http://schemas.microsoft.com/office/drawing/2014/main" id="{0D4096AC-BC9F-40B2-8D01-66BDF68A7D12}"/>
+                  <a16:creationId xmlns:a16="http://schemas.microsoft.com/office/drawing/2014/main" id="{484B2952-4317-4BA9-9A2D-969C00BC3215}"/>
                 </a:ext>
               </a:extLst>
             </p:cNvPr>
@@ -3734,72 +3685,675 @@
           </p:nvGrpSpPr>
           <p:grpSpPr>
             <a:xfrm>
-              <a:off x="4731390" y="696284"/>
-              <a:ext cx="3741490" cy="2244052"/>
-              <a:chOff x="4860024" y="696285"/>
-              <a:chExt cx="3741490" cy="2244052"/>
+              <a:off x="977597" y="696284"/>
+              <a:ext cx="14955893" cy="2244052"/>
+              <a:chOff x="977597" y="696284"/>
+              <a:chExt cx="14955893" cy="2244052"/>
             </a:xfrm>
           </p:grpSpPr>
-          <p:sp>
-            <p:nvSpPr>
-              <p:cNvPr id="5" name="직사각형 4">
+          <p:grpSp>
+            <p:nvGrpSpPr>
+              <p:cNvPr id="2" name="그룹 1">
                 <a:extLst>
                   <a:ext uri="{FF2B5EF4-FFF2-40B4-BE49-F238E27FC236}">
-                    <a16:creationId xmlns:a16="http://schemas.microsoft.com/office/drawing/2014/main" id="{6B3C11D7-93B7-48C8-987D-3628DF370EA2}"/>
+                    <a16:creationId xmlns:a16="http://schemas.microsoft.com/office/drawing/2014/main" id="{7F9EDB2F-79BF-4320-AF9A-533F464987A6}"/>
                   </a:ext>
                 </a:extLst>
               </p:cNvPr>
-              <p:cNvSpPr/>
+              <p:cNvGrpSpPr/>
               <p:nvPr/>
-            </p:nvSpPr>
-            <p:spPr>
+            </p:nvGrpSpPr>
+            <p:grpSpPr>
               <a:xfrm>
-                <a:off x="4860024" y="696285"/>
-                <a:ext cx="3741490" cy="2244052"/>
+                <a:off x="977597" y="696284"/>
+                <a:ext cx="14955893" cy="2244052"/>
+                <a:chOff x="977597" y="696284"/>
+                <a:chExt cx="14955893" cy="2244052"/>
               </a:xfrm>
-              <a:prstGeom prst="rect">
-                <a:avLst/>
-              </a:prstGeom>
-              <a:solidFill>
-                <a:schemeClr val="tx1"/>
-              </a:solidFill>
-              <a:ln>
+            </p:grpSpPr>
+            <p:sp>
+              <p:nvSpPr>
+                <p:cNvPr id="4" name="직사각형 3">
+                  <a:extLst>
+                    <a:ext uri="{FF2B5EF4-FFF2-40B4-BE49-F238E27FC236}">
+                      <a16:creationId xmlns:a16="http://schemas.microsoft.com/office/drawing/2014/main" id="{C6031834-1E05-4381-BBA7-CEB05F8BB980}"/>
+                    </a:ext>
+                  </a:extLst>
+                </p:cNvPr>
+                <p:cNvSpPr/>
+                <p:nvPr/>
+              </p:nvSpPr>
+              <p:spPr>
+                <a:xfrm>
+                  <a:off x="977597" y="696284"/>
+                  <a:ext cx="3741490" cy="2244052"/>
+                </a:xfrm>
+                <a:prstGeom prst="rect">
+                  <a:avLst/>
+                </a:prstGeom>
                 <a:solidFill>
                   <a:schemeClr val="tx1"/>
                 </a:solidFill>
-              </a:ln>
-            </p:spPr>
-            <p:style>
-              <a:lnRef idx="2">
-                <a:schemeClr val="accent1">
-                  <a:shade val="50000"/>
-                </a:schemeClr>
-              </a:lnRef>
-              <a:fillRef idx="1">
-                <a:schemeClr val="accent1"/>
-              </a:fillRef>
-              <a:effectRef idx="0">
-                <a:schemeClr val="accent1"/>
-              </a:effectRef>
-              <a:fontRef idx="minor">
-                <a:schemeClr val="lt1"/>
-              </a:fontRef>
-            </p:style>
-            <p:txBody>
-              <a:bodyPr rtlCol="0" anchor="ctr"/>
-              <a:lstStyle/>
-              <a:p>
-                <a:pPr algn="ctr"/>
-                <a:endParaRPr lang="ko-KR" altLang="en-US"/>
-              </a:p>
-            </p:txBody>
-          </p:sp>
+                <a:ln>
+                  <a:solidFill>
+                    <a:schemeClr val="tx1"/>
+                  </a:solidFill>
+                </a:ln>
+              </p:spPr>
+              <p:style>
+                <a:lnRef idx="2">
+                  <a:schemeClr val="accent1">
+                    <a:shade val="50000"/>
+                  </a:schemeClr>
+                </a:lnRef>
+                <a:fillRef idx="1">
+                  <a:schemeClr val="accent1"/>
+                </a:fillRef>
+                <a:effectRef idx="0">
+                  <a:schemeClr val="accent1"/>
+                </a:effectRef>
+                <a:fontRef idx="minor">
+                  <a:schemeClr val="lt1"/>
+                </a:fontRef>
+              </p:style>
+              <p:txBody>
+                <a:bodyPr rtlCol="0" anchor="ctr"/>
+                <a:lstStyle/>
+                <a:p>
+                  <a:pPr algn="ctr"/>
+                  <a:endParaRPr lang="ko-KR" altLang="en-US"/>
+                </a:p>
+              </p:txBody>
+            </p:sp>
+            <p:grpSp>
+              <p:nvGrpSpPr>
+                <p:cNvPr id="23" name="그룹 22">
+                  <a:extLst>
+                    <a:ext uri="{FF2B5EF4-FFF2-40B4-BE49-F238E27FC236}">
+                      <a16:creationId xmlns:a16="http://schemas.microsoft.com/office/drawing/2014/main" id="{0D4096AC-BC9F-40B2-8D01-66BDF68A7D12}"/>
+                    </a:ext>
+                  </a:extLst>
+                </p:cNvPr>
+                <p:cNvGrpSpPr/>
+                <p:nvPr/>
+              </p:nvGrpSpPr>
+              <p:grpSpPr>
+                <a:xfrm>
+                  <a:off x="4731070" y="696284"/>
+                  <a:ext cx="3741490" cy="2244052"/>
+                  <a:chOff x="4860024" y="696285"/>
+                  <a:chExt cx="3741490" cy="2244052"/>
+                </a:xfrm>
+              </p:grpSpPr>
+              <p:sp>
+                <p:nvSpPr>
+                  <p:cNvPr id="5" name="직사각형 4">
+                    <a:extLst>
+                      <a:ext uri="{FF2B5EF4-FFF2-40B4-BE49-F238E27FC236}">
+                        <a16:creationId xmlns:a16="http://schemas.microsoft.com/office/drawing/2014/main" id="{6B3C11D7-93B7-48C8-987D-3628DF370EA2}"/>
+                      </a:ext>
+                    </a:extLst>
+                  </p:cNvPr>
+                  <p:cNvSpPr/>
+                  <p:nvPr/>
+                </p:nvSpPr>
+                <p:spPr>
+                  <a:xfrm>
+                    <a:off x="4860024" y="696285"/>
+                    <a:ext cx="3741490" cy="2244052"/>
+                  </a:xfrm>
+                  <a:prstGeom prst="rect">
+                    <a:avLst/>
+                  </a:prstGeom>
+                  <a:solidFill>
+                    <a:schemeClr val="tx1"/>
+                  </a:solidFill>
+                  <a:ln>
+                    <a:solidFill>
+                      <a:schemeClr val="tx1"/>
+                    </a:solidFill>
+                  </a:ln>
+                </p:spPr>
+                <p:style>
+                  <a:lnRef idx="2">
+                    <a:schemeClr val="accent1">
+                      <a:shade val="50000"/>
+                    </a:schemeClr>
+                  </a:lnRef>
+                  <a:fillRef idx="1">
+                    <a:schemeClr val="accent1"/>
+                  </a:fillRef>
+                  <a:effectRef idx="0">
+                    <a:schemeClr val="accent1"/>
+                  </a:effectRef>
+                  <a:fontRef idx="minor">
+                    <a:schemeClr val="lt1"/>
+                  </a:fontRef>
+                </p:style>
+                <p:txBody>
+                  <a:bodyPr rtlCol="0" anchor="ctr"/>
+                  <a:lstStyle/>
+                  <a:p>
+                    <a:pPr algn="ctr"/>
+                    <a:endParaRPr lang="ko-KR" altLang="en-US"/>
+                  </a:p>
+                </p:txBody>
+              </p:sp>
+              <p:sp>
+                <p:nvSpPr>
+                  <p:cNvPr id="20" name="TextBox 19">
+                    <a:extLst>
+                      <a:ext uri="{FF2B5EF4-FFF2-40B4-BE49-F238E27FC236}">
+                        <a16:creationId xmlns:a16="http://schemas.microsoft.com/office/drawing/2014/main" id="{852C3F29-1F3D-4205-A7D7-18B17D68E85C}"/>
+                      </a:ext>
+                    </a:extLst>
+                  </p:cNvPr>
+                  <p:cNvSpPr txBox="1"/>
+                  <p:nvPr/>
+                </p:nvSpPr>
+                <p:spPr>
+                  <a:xfrm>
+                    <a:off x="5906548" y="857494"/>
+                    <a:ext cx="1648441" cy="523220"/>
+                  </a:xfrm>
+                  <a:prstGeom prst="rect">
+                    <a:avLst/>
+                  </a:prstGeom>
+                  <a:solidFill>
+                    <a:schemeClr val="bg1"/>
+                  </a:solidFill>
+                  <a:scene3d>
+                    <a:camera prst="orthographicFront"/>
+                    <a:lightRig rig="threePt" dir="t"/>
+                  </a:scene3d>
+                  <a:sp3d>
+                    <a:bevelT/>
+                  </a:sp3d>
+                </p:spPr>
+                <p:txBody>
+                  <a:bodyPr wrap="square" rtlCol="0">
+                    <a:spAutoFit/>
+                  </a:bodyPr>
+                  <a:lstStyle/>
+                  <a:p>
+                    <a:r>
+                      <a:rPr lang="ko-KR" altLang="en-US" sz="2800" dirty="0"/>
+                      <a:t>돌아가기</a:t>
+                    </a:r>
+                  </a:p>
+                </p:txBody>
+              </p:sp>
+              <p:sp>
+                <p:nvSpPr>
+                  <p:cNvPr id="22" name="TextBox 21">
+                    <a:extLst>
+                      <a:ext uri="{FF2B5EF4-FFF2-40B4-BE49-F238E27FC236}">
+                        <a16:creationId xmlns:a16="http://schemas.microsoft.com/office/drawing/2014/main" id="{66F07701-BB77-4932-942B-4775F5876522}"/>
+                      </a:ext>
+                    </a:extLst>
+                  </p:cNvPr>
+                  <p:cNvSpPr txBox="1"/>
+                  <p:nvPr/>
+                </p:nvSpPr>
+                <p:spPr>
+                  <a:xfrm>
+                    <a:off x="5906549" y="2287436"/>
+                    <a:ext cx="1648440" cy="523220"/>
+                  </a:xfrm>
+                  <a:prstGeom prst="rect">
+                    <a:avLst/>
+                  </a:prstGeom>
+                  <a:noFill/>
+                </p:spPr>
+                <p:txBody>
+                  <a:bodyPr wrap="square" rtlCol="0">
+                    <a:spAutoFit/>
+                  </a:bodyPr>
+                  <a:lstStyle/>
+                  <a:p>
+                    <a:r>
+                      <a:rPr lang="ko-KR" altLang="en-US" sz="2800" dirty="0">
+                        <a:solidFill>
+                          <a:schemeClr val="bg1"/>
+                        </a:solidFill>
+                      </a:rPr>
+                      <a:t>게임종료</a:t>
+                    </a:r>
+                  </a:p>
+                </p:txBody>
+              </p:sp>
+            </p:grpSp>
+            <p:grpSp>
+              <p:nvGrpSpPr>
+                <p:cNvPr id="24" name="그룹 23">
+                  <a:extLst>
+                    <a:ext uri="{FF2B5EF4-FFF2-40B4-BE49-F238E27FC236}">
+                      <a16:creationId xmlns:a16="http://schemas.microsoft.com/office/drawing/2014/main" id="{E707CF4E-E21E-47C2-A303-26A909DF5424}"/>
+                    </a:ext>
+                  </a:extLst>
+                </p:cNvPr>
+                <p:cNvGrpSpPr/>
+                <p:nvPr/>
+              </p:nvGrpSpPr>
+              <p:grpSpPr>
+                <a:xfrm>
+                  <a:off x="8450510" y="696284"/>
+                  <a:ext cx="3741490" cy="2244052"/>
+                  <a:chOff x="4825351" y="696285"/>
+                  <a:chExt cx="3741490" cy="2244052"/>
+                </a:xfrm>
+              </p:grpSpPr>
+              <p:sp>
+                <p:nvSpPr>
+                  <p:cNvPr id="25" name="직사각형 24">
+                    <a:extLst>
+                      <a:ext uri="{FF2B5EF4-FFF2-40B4-BE49-F238E27FC236}">
+                        <a16:creationId xmlns:a16="http://schemas.microsoft.com/office/drawing/2014/main" id="{C04D7080-C98D-49AB-8734-A4B0334C5355}"/>
+                      </a:ext>
+                    </a:extLst>
+                  </p:cNvPr>
+                  <p:cNvSpPr/>
+                  <p:nvPr/>
+                </p:nvSpPr>
+                <p:spPr>
+                  <a:xfrm>
+                    <a:off x="4825351" y="696285"/>
+                    <a:ext cx="3741490" cy="2244052"/>
+                  </a:xfrm>
+                  <a:prstGeom prst="rect">
+                    <a:avLst/>
+                  </a:prstGeom>
+                  <a:solidFill>
+                    <a:schemeClr val="tx1"/>
+                  </a:solidFill>
+                  <a:ln>
+                    <a:solidFill>
+                      <a:schemeClr val="tx1"/>
+                    </a:solidFill>
+                  </a:ln>
+                </p:spPr>
+                <p:style>
+                  <a:lnRef idx="2">
+                    <a:schemeClr val="accent1">
+                      <a:shade val="50000"/>
+                    </a:schemeClr>
+                  </a:lnRef>
+                  <a:fillRef idx="1">
+                    <a:schemeClr val="accent1"/>
+                  </a:fillRef>
+                  <a:effectRef idx="0">
+                    <a:schemeClr val="accent1"/>
+                  </a:effectRef>
+                  <a:fontRef idx="minor">
+                    <a:schemeClr val="lt1"/>
+                  </a:fontRef>
+                </p:style>
+                <p:txBody>
+                  <a:bodyPr rtlCol="0" anchor="ctr"/>
+                  <a:lstStyle/>
+                  <a:p>
+                    <a:pPr algn="ctr"/>
+                    <a:endParaRPr lang="ko-KR" altLang="en-US"/>
+                  </a:p>
+                </p:txBody>
+              </p:sp>
+              <p:sp>
+                <p:nvSpPr>
+                  <p:cNvPr id="26" name="TextBox 25">
+                    <a:extLst>
+                      <a:ext uri="{FF2B5EF4-FFF2-40B4-BE49-F238E27FC236}">
+                        <a16:creationId xmlns:a16="http://schemas.microsoft.com/office/drawing/2014/main" id="{6F4AB56E-9A18-49F5-B41C-175E5D041CAE}"/>
+                      </a:ext>
+                    </a:extLst>
+                  </p:cNvPr>
+                  <p:cNvSpPr txBox="1"/>
+                  <p:nvPr/>
+                </p:nvSpPr>
+                <p:spPr>
+                  <a:xfrm>
+                    <a:off x="5906548" y="857494"/>
+                    <a:ext cx="1648441" cy="523220"/>
+                  </a:xfrm>
+                  <a:prstGeom prst="rect">
+                    <a:avLst/>
+                  </a:prstGeom>
+                  <a:noFill/>
+                  <a:ln>
+                    <a:solidFill>
+                      <a:schemeClr val="tx1"/>
+                    </a:solidFill>
+                  </a:ln>
+                </p:spPr>
+                <p:txBody>
+                  <a:bodyPr wrap="square" rtlCol="0">
+                    <a:spAutoFit/>
+                  </a:bodyPr>
+                  <a:lstStyle/>
+                  <a:p>
+                    <a:r>
+                      <a:rPr lang="ko-KR" altLang="en-US" sz="2800" dirty="0">
+                        <a:solidFill>
+                          <a:schemeClr val="bg1"/>
+                        </a:solidFill>
+                      </a:rPr>
+                      <a:t>돌아가기</a:t>
+                    </a:r>
+                  </a:p>
+                </p:txBody>
+              </p:sp>
+              <p:sp>
+                <p:nvSpPr>
+                  <p:cNvPr id="27" name="TextBox 26">
+                    <a:extLst>
+                      <a:ext uri="{FF2B5EF4-FFF2-40B4-BE49-F238E27FC236}">
+                        <a16:creationId xmlns:a16="http://schemas.microsoft.com/office/drawing/2014/main" id="{4C6878A8-9446-4A99-AD63-46D8247FD316}"/>
+                      </a:ext>
+                    </a:extLst>
+                  </p:cNvPr>
+                  <p:cNvSpPr txBox="1"/>
+                  <p:nvPr/>
+                </p:nvSpPr>
+                <p:spPr>
+                  <a:xfrm>
+                    <a:off x="6101590" y="1572465"/>
+                    <a:ext cx="1270981" cy="523220"/>
+                  </a:xfrm>
+                  <a:prstGeom prst="rect">
+                    <a:avLst/>
+                  </a:prstGeom>
+                  <a:solidFill>
+                    <a:schemeClr val="bg1"/>
+                  </a:solidFill>
+                  <a:ln>
+                    <a:solidFill>
+                      <a:schemeClr val="tx1"/>
+                    </a:solidFill>
+                  </a:ln>
+                  <a:scene3d>
+                    <a:camera prst="orthographicFront"/>
+                    <a:lightRig rig="threePt" dir="t"/>
+                  </a:scene3d>
+                  <a:sp3d>
+                    <a:bevelT/>
+                  </a:sp3d>
+                </p:spPr>
+                <p:txBody>
+                  <a:bodyPr wrap="square" rtlCol="0">
+                    <a:spAutoFit/>
+                  </a:bodyPr>
+                  <a:lstStyle/>
+                  <a:p>
+                    <a:r>
+                      <a:rPr lang="ko-KR" altLang="en-US" sz="2800" dirty="0"/>
+                      <a:t>도움말</a:t>
+                    </a:r>
+                  </a:p>
+                </p:txBody>
+              </p:sp>
+              <p:sp>
+                <p:nvSpPr>
+                  <p:cNvPr id="28" name="TextBox 27">
+                    <a:extLst>
+                      <a:ext uri="{FF2B5EF4-FFF2-40B4-BE49-F238E27FC236}">
+                        <a16:creationId xmlns:a16="http://schemas.microsoft.com/office/drawing/2014/main" id="{A2B145CD-84DD-463A-A57F-026E916E8113}"/>
+                      </a:ext>
+                    </a:extLst>
+                  </p:cNvPr>
+                  <p:cNvSpPr txBox="1"/>
+                  <p:nvPr/>
+                </p:nvSpPr>
+                <p:spPr>
+                  <a:xfrm>
+                    <a:off x="5906549" y="2287436"/>
+                    <a:ext cx="1648440" cy="523220"/>
+                  </a:xfrm>
+                  <a:prstGeom prst="rect">
+                    <a:avLst/>
+                  </a:prstGeom>
+                  <a:noFill/>
+                  <a:ln>
+                    <a:solidFill>
+                      <a:schemeClr val="tx1"/>
+                    </a:solidFill>
+                  </a:ln>
+                </p:spPr>
+                <p:txBody>
+                  <a:bodyPr wrap="square" rtlCol="0">
+                    <a:spAutoFit/>
+                  </a:bodyPr>
+                  <a:lstStyle/>
+                  <a:p>
+                    <a:r>
+                      <a:rPr lang="ko-KR" altLang="en-US" sz="2800" dirty="0">
+                        <a:solidFill>
+                          <a:schemeClr val="bg1"/>
+                        </a:solidFill>
+                      </a:rPr>
+                      <a:t>게임종료</a:t>
+                    </a:r>
+                  </a:p>
+                </p:txBody>
+              </p:sp>
+            </p:grpSp>
+            <p:grpSp>
+              <p:nvGrpSpPr>
+                <p:cNvPr id="34" name="그룹 33">
+                  <a:extLst>
+                    <a:ext uri="{FF2B5EF4-FFF2-40B4-BE49-F238E27FC236}">
+                      <a16:creationId xmlns:a16="http://schemas.microsoft.com/office/drawing/2014/main" id="{CAEF4873-2637-4EEE-B748-F22F99F395F9}"/>
+                    </a:ext>
+                  </a:extLst>
+                </p:cNvPr>
+                <p:cNvGrpSpPr/>
+                <p:nvPr/>
+              </p:nvGrpSpPr>
+              <p:grpSpPr>
+                <a:xfrm>
+                  <a:off x="12192000" y="696284"/>
+                  <a:ext cx="3741490" cy="2244052"/>
+                  <a:chOff x="8361136" y="3548013"/>
+                  <a:chExt cx="3741490" cy="2244052"/>
+                </a:xfrm>
+              </p:grpSpPr>
+              <p:sp>
+                <p:nvSpPr>
+                  <p:cNvPr id="30" name="직사각형 29">
+                    <a:extLst>
+                      <a:ext uri="{FF2B5EF4-FFF2-40B4-BE49-F238E27FC236}">
+                        <a16:creationId xmlns:a16="http://schemas.microsoft.com/office/drawing/2014/main" id="{87D5D213-1C82-44D6-8B33-9F8B1E019220}"/>
+                      </a:ext>
+                    </a:extLst>
+                  </p:cNvPr>
+                  <p:cNvSpPr/>
+                  <p:nvPr/>
+                </p:nvSpPr>
+                <p:spPr>
+                  <a:xfrm>
+                    <a:off x="8361136" y="3548013"/>
+                    <a:ext cx="3741490" cy="2244052"/>
+                  </a:xfrm>
+                  <a:prstGeom prst="rect">
+                    <a:avLst/>
+                  </a:prstGeom>
+                  <a:solidFill>
+                    <a:schemeClr val="tx1"/>
+                  </a:solidFill>
+                  <a:ln>
+                    <a:solidFill>
+                      <a:schemeClr val="tx1"/>
+                    </a:solidFill>
+                  </a:ln>
+                </p:spPr>
+                <p:style>
+                  <a:lnRef idx="2">
+                    <a:schemeClr val="accent1">
+                      <a:shade val="50000"/>
+                    </a:schemeClr>
+                  </a:lnRef>
+                  <a:fillRef idx="1">
+                    <a:schemeClr val="accent1"/>
+                  </a:fillRef>
+                  <a:effectRef idx="0">
+                    <a:schemeClr val="accent1"/>
+                  </a:effectRef>
+                  <a:fontRef idx="minor">
+                    <a:schemeClr val="lt1"/>
+                  </a:fontRef>
+                </p:style>
+                <p:txBody>
+                  <a:bodyPr rtlCol="0" anchor="ctr"/>
+                  <a:lstStyle/>
+                  <a:p>
+                    <a:pPr algn="ctr"/>
+                    <a:endParaRPr lang="ko-KR" altLang="en-US"/>
+                  </a:p>
+                </p:txBody>
+              </p:sp>
+              <p:sp>
+                <p:nvSpPr>
+                  <p:cNvPr id="31" name="TextBox 30">
+                    <a:extLst>
+                      <a:ext uri="{FF2B5EF4-FFF2-40B4-BE49-F238E27FC236}">
+                        <a16:creationId xmlns:a16="http://schemas.microsoft.com/office/drawing/2014/main" id="{D7AADDFF-9073-4536-8EF5-56DFFAD7EFEC}"/>
+                      </a:ext>
+                    </a:extLst>
+                  </p:cNvPr>
+                  <p:cNvSpPr txBox="1"/>
+                  <p:nvPr/>
+                </p:nvSpPr>
+                <p:spPr>
+                  <a:xfrm>
+                    <a:off x="9454954" y="3709222"/>
+                    <a:ext cx="1648441" cy="523220"/>
+                  </a:xfrm>
+                  <a:prstGeom prst="rect">
+                    <a:avLst/>
+                  </a:prstGeom>
+                  <a:noFill/>
+                  <a:ln>
+                    <a:solidFill>
+                      <a:schemeClr val="tx1"/>
+                    </a:solidFill>
+                  </a:ln>
+                </p:spPr>
+                <p:txBody>
+                  <a:bodyPr wrap="square" rtlCol="0">
+                    <a:spAutoFit/>
+                  </a:bodyPr>
+                  <a:lstStyle/>
+                  <a:p>
+                    <a:r>
+                      <a:rPr lang="ko-KR" altLang="en-US" sz="2800" dirty="0">
+                        <a:solidFill>
+                          <a:schemeClr val="bg1"/>
+                        </a:solidFill>
+                      </a:rPr>
+                      <a:t>돌아가기</a:t>
+                    </a:r>
+                  </a:p>
+                </p:txBody>
+              </p:sp>
+              <p:sp>
+                <p:nvSpPr>
+                  <p:cNvPr id="32" name="TextBox 31">
+                    <a:extLst>
+                      <a:ext uri="{FF2B5EF4-FFF2-40B4-BE49-F238E27FC236}">
+                        <a16:creationId xmlns:a16="http://schemas.microsoft.com/office/drawing/2014/main" id="{40358653-F9A2-4D63-910B-129BE380E399}"/>
+                      </a:ext>
+                    </a:extLst>
+                  </p:cNvPr>
+                  <p:cNvSpPr txBox="1"/>
+                  <p:nvPr/>
+                </p:nvSpPr>
+                <p:spPr>
+                  <a:xfrm>
+                    <a:off x="9649996" y="4424193"/>
+                    <a:ext cx="1270981" cy="523220"/>
+                  </a:xfrm>
+                  <a:prstGeom prst="rect">
+                    <a:avLst/>
+                  </a:prstGeom>
+                  <a:noFill/>
+                  <a:ln>
+                    <a:solidFill>
+                      <a:schemeClr val="tx1"/>
+                    </a:solidFill>
+                  </a:ln>
+                </p:spPr>
+                <p:txBody>
+                  <a:bodyPr wrap="square" rtlCol="0">
+                    <a:spAutoFit/>
+                  </a:bodyPr>
+                  <a:lstStyle/>
+                  <a:p>
+                    <a:r>
+                      <a:rPr lang="ko-KR" altLang="en-US" sz="2800" dirty="0">
+                        <a:solidFill>
+                          <a:schemeClr val="bg1"/>
+                        </a:solidFill>
+                      </a:rPr>
+                      <a:t>도움말</a:t>
+                    </a:r>
+                  </a:p>
+                </p:txBody>
+              </p:sp>
+              <p:sp>
+                <p:nvSpPr>
+                  <p:cNvPr id="33" name="TextBox 32">
+                    <a:extLst>
+                      <a:ext uri="{FF2B5EF4-FFF2-40B4-BE49-F238E27FC236}">
+                        <a16:creationId xmlns:a16="http://schemas.microsoft.com/office/drawing/2014/main" id="{B7BF65CC-8C65-4E77-84C0-452C010C88E6}"/>
+                      </a:ext>
+                    </a:extLst>
+                  </p:cNvPr>
+                  <p:cNvSpPr txBox="1"/>
+                  <p:nvPr/>
+                </p:nvSpPr>
+                <p:spPr>
+                  <a:xfrm>
+                    <a:off x="9454955" y="5139164"/>
+                    <a:ext cx="1648440" cy="523220"/>
+                  </a:xfrm>
+                  <a:prstGeom prst="rect">
+                    <a:avLst/>
+                  </a:prstGeom>
+                  <a:solidFill>
+                    <a:schemeClr val="bg1"/>
+                  </a:solidFill>
+                  <a:ln>
+                    <a:solidFill>
+                      <a:schemeClr val="tx1"/>
+                    </a:solidFill>
+                  </a:ln>
+                  <a:scene3d>
+                    <a:camera prst="orthographicFront"/>
+                    <a:lightRig rig="threePt" dir="t"/>
+                  </a:scene3d>
+                  <a:sp3d>
+                    <a:bevelT/>
+                  </a:sp3d>
+                </p:spPr>
+                <p:txBody>
+                  <a:bodyPr wrap="square" rtlCol="0">
+                    <a:spAutoFit/>
+                  </a:bodyPr>
+                  <a:lstStyle/>
+                  <a:p>
+                    <a:r>
+                      <a:rPr lang="ko-KR" altLang="en-US" sz="2800" dirty="0"/>
+                      <a:t>게임종료</a:t>
+                    </a:r>
+                  </a:p>
+                </p:txBody>
+              </p:sp>
+            </p:grpSp>
+          </p:grpSp>
           <p:sp>
             <p:nvSpPr>
-              <p:cNvPr id="20" name="TextBox 19">
+              <p:cNvPr id="29" name="TextBox 28">
                 <a:extLst>
                   <a:ext uri="{FF2B5EF4-FFF2-40B4-BE49-F238E27FC236}">
-                    <a16:creationId xmlns:a16="http://schemas.microsoft.com/office/drawing/2014/main" id="{852C3F29-1F3D-4205-A7D7-18B17D68E85C}"/>
+                    <a16:creationId xmlns:a16="http://schemas.microsoft.com/office/drawing/2014/main" id="{17A4782F-0AF8-4F6A-8FAF-131546C7286D}"/>
                   </a:ext>
                 </a:extLst>
               </p:cNvPr>
@@ -3808,51 +4362,7 @@
             </p:nvSpPr>
             <p:spPr>
               <a:xfrm>
-                <a:off x="5906548" y="857494"/>
-                <a:ext cx="1648441" cy="523220"/>
-              </a:xfrm>
-              <a:prstGeom prst="rect">
-                <a:avLst/>
-              </a:prstGeom>
-              <a:solidFill>
-                <a:schemeClr val="bg1"/>
-              </a:solidFill>
-              <a:scene3d>
-                <a:camera prst="orthographicFront"/>
-                <a:lightRig rig="threePt" dir="t"/>
-              </a:scene3d>
-              <a:sp3d>
-                <a:bevelT/>
-              </a:sp3d>
-            </p:spPr>
-            <p:txBody>
-              <a:bodyPr wrap="square" rtlCol="0">
-                <a:spAutoFit/>
-              </a:bodyPr>
-              <a:lstStyle/>
-              <a:p>
-                <a:r>
-                  <a:rPr lang="ko-KR" altLang="en-US" sz="2800" dirty="0"/>
-                  <a:t>돌아가기</a:t>
-                </a:r>
-              </a:p>
-            </p:txBody>
-          </p:sp>
-          <p:sp>
-            <p:nvSpPr>
-              <p:cNvPr id="21" name="TextBox 20">
-                <a:extLst>
-                  <a:ext uri="{FF2B5EF4-FFF2-40B4-BE49-F238E27FC236}">
-                    <a16:creationId xmlns:a16="http://schemas.microsoft.com/office/drawing/2014/main" id="{3D56C7BA-B1A6-429D-BDE5-715DDD405CCE}"/>
-                  </a:ext>
-                </a:extLst>
-              </p:cNvPr>
-              <p:cNvSpPr txBox="1"/>
-              <p:nvPr/>
-            </p:nvSpPr>
-            <p:spPr>
-              <a:xfrm>
-                <a:off x="6101590" y="1572465"/>
+                <a:off x="2224834" y="1579117"/>
                 <a:ext cx="1270981" cy="523220"/>
               </a:xfrm>
               <a:prstGeom prst="rect">
@@ -3879,10 +4389,10 @@
           </p:sp>
           <p:sp>
             <p:nvSpPr>
-              <p:cNvPr id="22" name="TextBox 21">
+              <p:cNvPr id="35" name="TextBox 34">
                 <a:extLst>
                   <a:ext uri="{FF2B5EF4-FFF2-40B4-BE49-F238E27FC236}">
-                    <a16:creationId xmlns:a16="http://schemas.microsoft.com/office/drawing/2014/main" id="{66F07701-BB77-4932-942B-4775F5876522}"/>
+                    <a16:creationId xmlns:a16="http://schemas.microsoft.com/office/drawing/2014/main" id="{1F62E286-DDEF-48C2-8DFE-BD95586AFE6A}"/>
                   </a:ext>
                 </a:extLst>
               </p:cNvPr>
@@ -3891,121 +4401,7 @@
             </p:nvSpPr>
             <p:spPr>
               <a:xfrm>
-                <a:off x="5906549" y="2287436"/>
-                <a:ext cx="1648440" cy="523220"/>
-              </a:xfrm>
-              <a:prstGeom prst="rect">
-                <a:avLst/>
-              </a:prstGeom>
-              <a:noFill/>
-            </p:spPr>
-            <p:txBody>
-              <a:bodyPr wrap="square" rtlCol="0">
-                <a:spAutoFit/>
-              </a:bodyPr>
-              <a:lstStyle/>
-              <a:p>
-                <a:r>
-                  <a:rPr lang="ko-KR" altLang="en-US" sz="2800" dirty="0">
-                    <a:solidFill>
-                      <a:schemeClr val="bg1"/>
-                    </a:solidFill>
-                  </a:rPr>
-                  <a:t>게임종료</a:t>
-                </a:r>
-              </a:p>
-            </p:txBody>
-          </p:sp>
-        </p:grpSp>
-        <p:grpSp>
-          <p:nvGrpSpPr>
-            <p:cNvPr id="24" name="그룹 23">
-              <a:extLst>
-                <a:ext uri="{FF2B5EF4-FFF2-40B4-BE49-F238E27FC236}">
-                  <a16:creationId xmlns:a16="http://schemas.microsoft.com/office/drawing/2014/main" id="{E707CF4E-E21E-47C2-A303-26A909DF5424}"/>
-                </a:ext>
-              </a:extLst>
-            </p:cNvPr>
-            <p:cNvGrpSpPr/>
-            <p:nvPr/>
-          </p:nvGrpSpPr>
-          <p:grpSpPr>
-            <a:xfrm>
-              <a:off x="8485183" y="696284"/>
-              <a:ext cx="3741490" cy="2244052"/>
-              <a:chOff x="4860024" y="696285"/>
-              <a:chExt cx="3741490" cy="2244052"/>
-            </a:xfrm>
-          </p:grpSpPr>
-          <p:sp>
-            <p:nvSpPr>
-              <p:cNvPr id="25" name="직사각형 24">
-                <a:extLst>
-                  <a:ext uri="{FF2B5EF4-FFF2-40B4-BE49-F238E27FC236}">
-                    <a16:creationId xmlns:a16="http://schemas.microsoft.com/office/drawing/2014/main" id="{C04D7080-C98D-49AB-8734-A4B0334C5355}"/>
-                  </a:ext>
-                </a:extLst>
-              </p:cNvPr>
-              <p:cNvSpPr/>
-              <p:nvPr/>
-            </p:nvSpPr>
-            <p:spPr>
-              <a:xfrm>
-                <a:off x="4860024" y="696285"/>
-                <a:ext cx="3741490" cy="2244052"/>
-              </a:xfrm>
-              <a:prstGeom prst="rect">
-                <a:avLst/>
-              </a:prstGeom>
-              <a:solidFill>
-                <a:schemeClr val="tx1"/>
-              </a:solidFill>
-              <a:ln>
-                <a:solidFill>
-                  <a:schemeClr val="tx1"/>
-                </a:solidFill>
-              </a:ln>
-            </p:spPr>
-            <p:style>
-              <a:lnRef idx="2">
-                <a:schemeClr val="accent1">
-                  <a:shade val="50000"/>
-                </a:schemeClr>
-              </a:lnRef>
-              <a:fillRef idx="1">
-                <a:schemeClr val="accent1"/>
-              </a:fillRef>
-              <a:effectRef idx="0">
-                <a:schemeClr val="accent1"/>
-              </a:effectRef>
-              <a:fontRef idx="minor">
-                <a:schemeClr val="lt1"/>
-              </a:fontRef>
-            </p:style>
-            <p:txBody>
-              <a:bodyPr rtlCol="0" anchor="ctr"/>
-              <a:lstStyle/>
-              <a:p>
-                <a:pPr algn="ctr"/>
-                <a:endParaRPr lang="ko-KR" altLang="en-US"/>
-              </a:p>
-            </p:txBody>
-          </p:sp>
-          <p:sp>
-            <p:nvSpPr>
-              <p:cNvPr id="26" name="TextBox 25">
-                <a:extLst>
-                  <a:ext uri="{FF2B5EF4-FFF2-40B4-BE49-F238E27FC236}">
-                    <a16:creationId xmlns:a16="http://schemas.microsoft.com/office/drawing/2014/main" id="{6F4AB56E-9A18-49F5-B41C-175E5D041CAE}"/>
-                  </a:ext>
-                </a:extLst>
-              </p:cNvPr>
-              <p:cNvSpPr txBox="1"/>
-              <p:nvPr/>
-            </p:nvSpPr>
-            <p:spPr>
-              <a:xfrm>
-                <a:off x="5906548" y="857494"/>
+                <a:off x="2024121" y="857493"/>
                 <a:ext cx="1648441" cy="523220"/>
               </a:xfrm>
               <a:prstGeom prst="rect">
@@ -4037,10 +4433,10 @@
           </p:sp>
           <p:sp>
             <p:nvSpPr>
-              <p:cNvPr id="27" name="TextBox 26">
+              <p:cNvPr id="36" name="TextBox 35">
                 <a:extLst>
                   <a:ext uri="{FF2B5EF4-FFF2-40B4-BE49-F238E27FC236}">
-                    <a16:creationId xmlns:a16="http://schemas.microsoft.com/office/drawing/2014/main" id="{4C6878A8-9446-4A99-AD63-46D8247FD316}"/>
+                    <a16:creationId xmlns:a16="http://schemas.microsoft.com/office/drawing/2014/main" id="{3AFB4382-7BEC-44D0-9BDA-EA030E018781}"/>
                   </a:ext>
                 </a:extLst>
               </p:cNvPr>
@@ -4049,67 +4445,13 @@
             </p:nvSpPr>
             <p:spPr>
               <a:xfrm>
-                <a:off x="6101590" y="1572465"/>
-                <a:ext cx="1270981" cy="523220"/>
-              </a:xfrm>
-              <a:prstGeom prst="rect">
-                <a:avLst/>
-              </a:prstGeom>
-              <a:solidFill>
-                <a:schemeClr val="bg1"/>
-              </a:solidFill>
-              <a:ln>
-                <a:solidFill>
-                  <a:schemeClr val="tx1"/>
-                </a:solidFill>
-              </a:ln>
-              <a:scene3d>
-                <a:camera prst="orthographicFront"/>
-                <a:lightRig rig="threePt" dir="t"/>
-              </a:scene3d>
-              <a:sp3d>
-                <a:bevelT/>
-              </a:sp3d>
-            </p:spPr>
-            <p:txBody>
-              <a:bodyPr wrap="square" rtlCol="0">
-                <a:spAutoFit/>
-              </a:bodyPr>
-              <a:lstStyle/>
-              <a:p>
-                <a:r>
-                  <a:rPr lang="ko-KR" altLang="en-US" sz="2800" dirty="0"/>
-                  <a:t>도움말</a:t>
-                </a:r>
-              </a:p>
-            </p:txBody>
-          </p:sp>
-          <p:sp>
-            <p:nvSpPr>
-              <p:cNvPr id="28" name="TextBox 27">
-                <a:extLst>
-                  <a:ext uri="{FF2B5EF4-FFF2-40B4-BE49-F238E27FC236}">
-                    <a16:creationId xmlns:a16="http://schemas.microsoft.com/office/drawing/2014/main" id="{A2B145CD-84DD-463A-A57F-026E916E8113}"/>
-                  </a:ext>
-                </a:extLst>
-              </p:cNvPr>
-              <p:cNvSpPr txBox="1"/>
-              <p:nvPr/>
-            </p:nvSpPr>
-            <p:spPr>
-              <a:xfrm>
-                <a:off x="5906549" y="2287436"/>
+                <a:off x="2036105" y="2287435"/>
                 <a:ext cx="1648440" cy="523220"/>
               </a:xfrm>
               <a:prstGeom prst="rect">
                 <a:avLst/>
               </a:prstGeom>
               <a:noFill/>
-              <a:ln>
-                <a:solidFill>
-                  <a:schemeClr val="tx1"/>
-                </a:solidFill>
-              </a:ln>
             </p:spPr>
             <p:txBody>
               <a:bodyPr wrap="square" rtlCol="0">
@@ -4129,218 +4471,45 @@
             </p:txBody>
           </p:sp>
         </p:grpSp>
-        <p:grpSp>
-          <p:nvGrpSpPr>
-            <p:cNvPr id="34" name="그룹 33">
+        <p:sp>
+          <p:nvSpPr>
+            <p:cNvPr id="37" name="TextBox 36">
               <a:extLst>
                 <a:ext uri="{FF2B5EF4-FFF2-40B4-BE49-F238E27FC236}">
-                  <a16:creationId xmlns:a16="http://schemas.microsoft.com/office/drawing/2014/main" id="{CAEF4873-2637-4EEE-B748-F22F99F395F9}"/>
+                  <a16:creationId xmlns:a16="http://schemas.microsoft.com/office/drawing/2014/main" id="{4B1F8190-E096-45DB-B376-DB49724112EF}"/>
                 </a:ext>
               </a:extLst>
             </p:cNvPr>
-            <p:cNvGrpSpPr/>
+            <p:cNvSpPr txBox="1"/>
             <p:nvPr/>
-          </p:nvGrpSpPr>
-          <p:grpSpPr>
+          </p:nvSpPr>
+          <p:spPr>
             <a:xfrm>
-              <a:off x="12192000" y="696284"/>
-              <a:ext cx="3741490" cy="2244052"/>
-              <a:chOff x="8408430" y="3548013"/>
-              <a:chExt cx="3741490" cy="2244052"/>
+              <a:off x="5966324" y="1579037"/>
+              <a:ext cx="1270981" cy="523220"/>
             </a:xfrm>
-          </p:grpSpPr>
-          <p:sp>
-            <p:nvSpPr>
-              <p:cNvPr id="30" name="직사각형 29">
-                <a:extLst>
-                  <a:ext uri="{FF2B5EF4-FFF2-40B4-BE49-F238E27FC236}">
-                    <a16:creationId xmlns:a16="http://schemas.microsoft.com/office/drawing/2014/main" id="{87D5D213-1C82-44D6-8B33-9F8B1E019220}"/>
-                  </a:ext>
-                </a:extLst>
-              </p:cNvPr>
-              <p:cNvSpPr/>
-              <p:nvPr/>
-            </p:nvSpPr>
-            <p:spPr>
-              <a:xfrm>
-                <a:off x="8408430" y="3548013"/>
-                <a:ext cx="3741490" cy="2244052"/>
-              </a:xfrm>
-              <a:prstGeom prst="rect">
-                <a:avLst/>
-              </a:prstGeom>
-              <a:solidFill>
-                <a:schemeClr val="tx1"/>
-              </a:solidFill>
-              <a:ln>
-                <a:solidFill>
-                  <a:schemeClr val="tx1"/>
-                </a:solidFill>
-              </a:ln>
-            </p:spPr>
-            <p:style>
-              <a:lnRef idx="2">
-                <a:schemeClr val="accent1">
-                  <a:shade val="50000"/>
-                </a:schemeClr>
-              </a:lnRef>
-              <a:fillRef idx="1">
-                <a:schemeClr val="accent1"/>
-              </a:fillRef>
-              <a:effectRef idx="0">
-                <a:schemeClr val="accent1"/>
-              </a:effectRef>
-              <a:fontRef idx="minor">
-                <a:schemeClr val="lt1"/>
-              </a:fontRef>
-            </p:style>
-            <p:txBody>
-              <a:bodyPr rtlCol="0" anchor="ctr"/>
-              <a:lstStyle/>
-              <a:p>
-                <a:pPr algn="ctr"/>
-                <a:endParaRPr lang="ko-KR" altLang="en-US"/>
-              </a:p>
-            </p:txBody>
-          </p:sp>
-          <p:sp>
-            <p:nvSpPr>
-              <p:cNvPr id="31" name="TextBox 30">
-                <a:extLst>
-                  <a:ext uri="{FF2B5EF4-FFF2-40B4-BE49-F238E27FC236}">
-                    <a16:creationId xmlns:a16="http://schemas.microsoft.com/office/drawing/2014/main" id="{D7AADDFF-9073-4536-8EF5-56DFFAD7EFEC}"/>
-                  </a:ext>
-                </a:extLst>
-              </p:cNvPr>
-              <p:cNvSpPr txBox="1"/>
-              <p:nvPr/>
-            </p:nvSpPr>
-            <p:spPr>
-              <a:xfrm>
-                <a:off x="9454954" y="3709222"/>
-                <a:ext cx="1648441" cy="523220"/>
-              </a:xfrm>
-              <a:prstGeom prst="rect">
-                <a:avLst/>
-              </a:prstGeom>
-              <a:noFill/>
-              <a:ln>
-                <a:solidFill>
-                  <a:schemeClr val="tx1"/>
-                </a:solidFill>
-              </a:ln>
-            </p:spPr>
-            <p:txBody>
-              <a:bodyPr wrap="square" rtlCol="0">
-                <a:spAutoFit/>
-              </a:bodyPr>
-              <a:lstStyle/>
-              <a:p>
-                <a:r>
-                  <a:rPr lang="ko-KR" altLang="en-US" sz="2800" dirty="0">
-                    <a:solidFill>
-                      <a:schemeClr val="bg1"/>
-                    </a:solidFill>
-                  </a:rPr>
-                  <a:t>돌아가기</a:t>
-                </a:r>
-              </a:p>
-            </p:txBody>
-          </p:sp>
-          <p:sp>
-            <p:nvSpPr>
-              <p:cNvPr id="32" name="TextBox 31">
-                <a:extLst>
-                  <a:ext uri="{FF2B5EF4-FFF2-40B4-BE49-F238E27FC236}">
-                    <a16:creationId xmlns:a16="http://schemas.microsoft.com/office/drawing/2014/main" id="{40358653-F9A2-4D63-910B-129BE380E399}"/>
-                  </a:ext>
-                </a:extLst>
-              </p:cNvPr>
-              <p:cNvSpPr txBox="1"/>
-              <p:nvPr/>
-            </p:nvSpPr>
-            <p:spPr>
-              <a:xfrm>
-                <a:off x="9649996" y="4424193"/>
-                <a:ext cx="1270981" cy="523220"/>
-              </a:xfrm>
-              <a:prstGeom prst="rect">
-                <a:avLst/>
-              </a:prstGeom>
-              <a:noFill/>
-              <a:ln>
-                <a:solidFill>
-                  <a:schemeClr val="tx1"/>
-                </a:solidFill>
-              </a:ln>
-            </p:spPr>
-            <p:txBody>
-              <a:bodyPr wrap="square" rtlCol="0">
-                <a:spAutoFit/>
-              </a:bodyPr>
-              <a:lstStyle/>
-              <a:p>
-                <a:r>
-                  <a:rPr lang="ko-KR" altLang="en-US" sz="2800" dirty="0">
-                    <a:solidFill>
-                      <a:schemeClr val="bg1"/>
-                    </a:solidFill>
-                  </a:rPr>
-                  <a:t>도움말</a:t>
-                </a:r>
-              </a:p>
-            </p:txBody>
-          </p:sp>
-          <p:sp>
-            <p:nvSpPr>
-              <p:cNvPr id="33" name="TextBox 32">
-                <a:extLst>
-                  <a:ext uri="{FF2B5EF4-FFF2-40B4-BE49-F238E27FC236}">
-                    <a16:creationId xmlns:a16="http://schemas.microsoft.com/office/drawing/2014/main" id="{B7BF65CC-8C65-4E77-84C0-452C010C88E6}"/>
-                  </a:ext>
-                </a:extLst>
-              </p:cNvPr>
-              <p:cNvSpPr txBox="1"/>
-              <p:nvPr/>
-            </p:nvSpPr>
-            <p:spPr>
-              <a:xfrm>
-                <a:off x="9454955" y="5139164"/>
-                <a:ext cx="1648440" cy="523220"/>
-              </a:xfrm>
-              <a:prstGeom prst="rect">
-                <a:avLst/>
-              </a:prstGeom>
-              <a:solidFill>
-                <a:schemeClr val="bg1"/>
-              </a:solidFill>
-              <a:ln>
-                <a:solidFill>
-                  <a:schemeClr val="tx1"/>
-                </a:solidFill>
-              </a:ln>
-              <a:scene3d>
-                <a:camera prst="orthographicFront"/>
-                <a:lightRig rig="threePt" dir="t"/>
-              </a:scene3d>
-              <a:sp3d>
-                <a:bevelT/>
-              </a:sp3d>
-            </p:spPr>
-            <p:txBody>
-              <a:bodyPr wrap="square" rtlCol="0">
-                <a:spAutoFit/>
-              </a:bodyPr>
-              <a:lstStyle/>
-              <a:p>
-                <a:r>
-                  <a:rPr lang="ko-KR" altLang="en-US" sz="2800" dirty="0"/>
-                  <a:t>게임종료</a:t>
-                </a:r>
-              </a:p>
-            </p:txBody>
-          </p:sp>
-        </p:grpSp>
+            <a:prstGeom prst="rect">
+              <a:avLst/>
+            </a:prstGeom>
+            <a:noFill/>
+          </p:spPr>
+          <p:txBody>
+            <a:bodyPr wrap="square" rtlCol="0">
+              <a:spAutoFit/>
+            </a:bodyPr>
+            <a:lstStyle/>
+            <a:p>
+              <a:r>
+                <a:rPr lang="ko-KR" altLang="en-US" sz="2800" dirty="0">
+                  <a:solidFill>
+                    <a:schemeClr val="bg1"/>
+                  </a:solidFill>
+                </a:rPr>
+                <a:t>도움말</a:t>
+              </a:r>
+            </a:p>
+          </p:txBody>
+        </p:sp>
       </p:grpSp>
     </p:spTree>
     <p:extLst>

--- a/Drills/2DGP_Project/Run&Return/이미지제작용.pptx
+++ b/Drills/2DGP_Project/Run&Return/이미지제작용.pptx
@@ -3653,10 +3653,10 @@
       </p:sp>
       <p:grpSp>
         <p:nvGrpSpPr>
-          <p:cNvPr id="6" name="그룹 5">
-            <a:extLst>
-              <a:ext uri="{FF2B5EF4-FFF2-40B4-BE49-F238E27FC236}">
-                <a16:creationId xmlns:a16="http://schemas.microsoft.com/office/drawing/2014/main" id="{AEE4524F-465B-4F1D-8C66-D2C74AC005CE}"/>
+          <p:cNvPr id="7" name="그룹 6">
+            <a:extLst>
+              <a:ext uri="{FF2B5EF4-FFF2-40B4-BE49-F238E27FC236}">
+                <a16:creationId xmlns:a16="http://schemas.microsoft.com/office/drawing/2014/main" id="{E4F78D5A-DD58-48F2-AF04-B71ADA10F00E}"/>
               </a:ext>
             </a:extLst>
           </p:cNvPr>
@@ -3673,10 +3673,10 @@
         </p:grpSpPr>
         <p:grpSp>
           <p:nvGrpSpPr>
-            <p:cNvPr id="3" name="그룹 2">
+            <p:cNvPr id="6" name="그룹 5">
               <a:extLst>
                 <a:ext uri="{FF2B5EF4-FFF2-40B4-BE49-F238E27FC236}">
-                  <a16:creationId xmlns:a16="http://schemas.microsoft.com/office/drawing/2014/main" id="{484B2952-4317-4BA9-9A2D-969C00BC3215}"/>
+                  <a16:creationId xmlns:a16="http://schemas.microsoft.com/office/drawing/2014/main" id="{AEE4524F-465B-4F1D-8C66-D2C74AC005CE}"/>
                 </a:ext>
               </a:extLst>
             </p:cNvPr>
@@ -3693,10 +3693,10 @@
           </p:grpSpPr>
           <p:grpSp>
             <p:nvGrpSpPr>
-              <p:cNvPr id="2" name="그룹 1">
+              <p:cNvPr id="3" name="그룹 2">
                 <a:extLst>
                   <a:ext uri="{FF2B5EF4-FFF2-40B4-BE49-F238E27FC236}">
-                    <a16:creationId xmlns:a16="http://schemas.microsoft.com/office/drawing/2014/main" id="{7F9EDB2F-79BF-4320-AF9A-533F464987A6}"/>
+                    <a16:creationId xmlns:a16="http://schemas.microsoft.com/office/drawing/2014/main" id="{484B2952-4317-4BA9-9A2D-969C00BC3215}"/>
                   </a:ext>
                 </a:extLst>
               </p:cNvPr>
@@ -3711,66 +3711,12 @@
                 <a:chExt cx="14955893" cy="2244052"/>
               </a:xfrm>
             </p:grpSpPr>
-            <p:sp>
-              <p:nvSpPr>
-                <p:cNvPr id="4" name="직사각형 3">
+            <p:grpSp>
+              <p:nvGrpSpPr>
+                <p:cNvPr id="2" name="그룹 1">
                   <a:extLst>
                     <a:ext uri="{FF2B5EF4-FFF2-40B4-BE49-F238E27FC236}">
-                      <a16:creationId xmlns:a16="http://schemas.microsoft.com/office/drawing/2014/main" id="{C6031834-1E05-4381-BBA7-CEB05F8BB980}"/>
-                    </a:ext>
-                  </a:extLst>
-                </p:cNvPr>
-                <p:cNvSpPr/>
-                <p:nvPr/>
-              </p:nvSpPr>
-              <p:spPr>
-                <a:xfrm>
-                  <a:off x="977597" y="696284"/>
-                  <a:ext cx="3741490" cy="2244052"/>
-                </a:xfrm>
-                <a:prstGeom prst="rect">
-                  <a:avLst/>
-                </a:prstGeom>
-                <a:solidFill>
-                  <a:schemeClr val="tx1"/>
-                </a:solidFill>
-                <a:ln>
-                  <a:solidFill>
-                    <a:schemeClr val="tx1"/>
-                  </a:solidFill>
-                </a:ln>
-              </p:spPr>
-              <p:style>
-                <a:lnRef idx="2">
-                  <a:schemeClr val="accent1">
-                    <a:shade val="50000"/>
-                  </a:schemeClr>
-                </a:lnRef>
-                <a:fillRef idx="1">
-                  <a:schemeClr val="accent1"/>
-                </a:fillRef>
-                <a:effectRef idx="0">
-                  <a:schemeClr val="accent1"/>
-                </a:effectRef>
-                <a:fontRef idx="minor">
-                  <a:schemeClr val="lt1"/>
-                </a:fontRef>
-              </p:style>
-              <p:txBody>
-                <a:bodyPr rtlCol="0" anchor="ctr"/>
-                <a:lstStyle/>
-                <a:p>
-                  <a:pPr algn="ctr"/>
-                  <a:endParaRPr lang="ko-KR" altLang="en-US"/>
-                </a:p>
-              </p:txBody>
-            </p:sp>
-            <p:grpSp>
-              <p:nvGrpSpPr>
-                <p:cNvPr id="23" name="그룹 22">
-                  <a:extLst>
-                    <a:ext uri="{FF2B5EF4-FFF2-40B4-BE49-F238E27FC236}">
-                      <a16:creationId xmlns:a16="http://schemas.microsoft.com/office/drawing/2014/main" id="{0D4096AC-BC9F-40B2-8D01-66BDF68A7D12}"/>
+                      <a16:creationId xmlns:a16="http://schemas.microsoft.com/office/drawing/2014/main" id="{7F9EDB2F-79BF-4320-AF9A-533F464987A6}"/>
                     </a:ext>
                   </a:extLst>
                 </p:cNvPr>
@@ -3779,18 +3725,18 @@
               </p:nvGrpSpPr>
               <p:grpSpPr>
                 <a:xfrm>
-                  <a:off x="4731070" y="696284"/>
-                  <a:ext cx="3741490" cy="2244052"/>
-                  <a:chOff x="4860024" y="696285"/>
-                  <a:chExt cx="3741490" cy="2244052"/>
+                  <a:off x="977597" y="696284"/>
+                  <a:ext cx="14955893" cy="2244052"/>
+                  <a:chOff x="977597" y="696284"/>
+                  <a:chExt cx="14955893" cy="2244052"/>
                 </a:xfrm>
               </p:grpSpPr>
               <p:sp>
                 <p:nvSpPr>
-                  <p:cNvPr id="5" name="직사각형 4">
+                  <p:cNvPr id="4" name="직사각형 3">
                     <a:extLst>
                       <a:ext uri="{FF2B5EF4-FFF2-40B4-BE49-F238E27FC236}">
-                        <a16:creationId xmlns:a16="http://schemas.microsoft.com/office/drawing/2014/main" id="{6B3C11D7-93B7-48C8-987D-3628DF370EA2}"/>
+                        <a16:creationId xmlns:a16="http://schemas.microsoft.com/office/drawing/2014/main" id="{C6031834-1E05-4381-BBA7-CEB05F8BB980}"/>
                       </a:ext>
                     </a:extLst>
                   </p:cNvPr>
@@ -3799,7 +3745,7 @@
                 </p:nvSpPr>
                 <p:spPr>
                   <a:xfrm>
-                    <a:off x="4860024" y="696285"/>
+                    <a:off x="977597" y="696284"/>
                     <a:ext cx="3741490" cy="2244052"/>
                   </a:xfrm>
                   <a:prstGeom prst="rect">
@@ -3839,521 +3785,669 @@
                   </a:p>
                 </p:txBody>
               </p:sp>
-              <p:sp>
-                <p:nvSpPr>
-                  <p:cNvPr id="20" name="TextBox 19">
+              <p:grpSp>
+                <p:nvGrpSpPr>
+                  <p:cNvPr id="23" name="그룹 22">
                     <a:extLst>
                       <a:ext uri="{FF2B5EF4-FFF2-40B4-BE49-F238E27FC236}">
-                        <a16:creationId xmlns:a16="http://schemas.microsoft.com/office/drawing/2014/main" id="{852C3F29-1F3D-4205-A7D7-18B17D68E85C}"/>
+                        <a16:creationId xmlns:a16="http://schemas.microsoft.com/office/drawing/2014/main" id="{0D4096AC-BC9F-40B2-8D01-66BDF68A7D12}"/>
                       </a:ext>
                     </a:extLst>
                   </p:cNvPr>
-                  <p:cNvSpPr txBox="1"/>
+                  <p:cNvGrpSpPr/>
                   <p:nvPr/>
-                </p:nvSpPr>
-                <p:spPr>
+                </p:nvGrpSpPr>
+                <p:grpSpPr>
                   <a:xfrm>
-                    <a:off x="5906548" y="857494"/>
-                    <a:ext cx="1648441" cy="523220"/>
+                    <a:off x="4731070" y="696284"/>
+                    <a:ext cx="3741490" cy="2244052"/>
+                    <a:chOff x="4860024" y="696285"/>
+                    <a:chExt cx="3741490" cy="2244052"/>
                   </a:xfrm>
-                  <a:prstGeom prst="rect">
-                    <a:avLst/>
-                  </a:prstGeom>
-                  <a:solidFill>
-                    <a:schemeClr val="bg1"/>
-                  </a:solidFill>
-                  <a:scene3d>
-                    <a:camera prst="orthographicFront"/>
-                    <a:lightRig rig="threePt" dir="t"/>
-                  </a:scene3d>
-                  <a:sp3d>
-                    <a:bevelT/>
-                  </a:sp3d>
-                </p:spPr>
-                <p:txBody>
-                  <a:bodyPr wrap="square" rtlCol="0">
-                    <a:spAutoFit/>
-                  </a:bodyPr>
-                  <a:lstStyle/>
-                  <a:p>
-                    <a:r>
-                      <a:rPr lang="ko-KR" altLang="en-US" sz="2800" dirty="0"/>
-                      <a:t>돌아가기</a:t>
-                    </a:r>
-                  </a:p>
-                </p:txBody>
-              </p:sp>
-              <p:sp>
-                <p:nvSpPr>
-                  <p:cNvPr id="22" name="TextBox 21">
+                </p:grpSpPr>
+                <p:sp>
+                  <p:nvSpPr>
+                    <p:cNvPr id="5" name="직사각형 4">
+                      <a:extLst>
+                        <a:ext uri="{FF2B5EF4-FFF2-40B4-BE49-F238E27FC236}">
+                          <a16:creationId xmlns:a16="http://schemas.microsoft.com/office/drawing/2014/main" id="{6B3C11D7-93B7-48C8-987D-3628DF370EA2}"/>
+                        </a:ext>
+                      </a:extLst>
+                    </p:cNvPr>
+                    <p:cNvSpPr/>
+                    <p:nvPr/>
+                  </p:nvSpPr>
+                  <p:spPr>
+                    <a:xfrm>
+                      <a:off x="4860024" y="696285"/>
+                      <a:ext cx="3741490" cy="2244052"/>
+                    </a:xfrm>
+                    <a:prstGeom prst="rect">
+                      <a:avLst/>
+                    </a:prstGeom>
+                    <a:solidFill>
+                      <a:schemeClr val="tx1"/>
+                    </a:solidFill>
+                    <a:ln>
+                      <a:solidFill>
+                        <a:schemeClr val="tx1"/>
+                      </a:solidFill>
+                    </a:ln>
+                  </p:spPr>
+                  <p:style>
+                    <a:lnRef idx="2">
+                      <a:schemeClr val="accent1">
+                        <a:shade val="50000"/>
+                      </a:schemeClr>
+                    </a:lnRef>
+                    <a:fillRef idx="1">
+                      <a:schemeClr val="accent1"/>
+                    </a:fillRef>
+                    <a:effectRef idx="0">
+                      <a:schemeClr val="accent1"/>
+                    </a:effectRef>
+                    <a:fontRef idx="minor">
+                      <a:schemeClr val="lt1"/>
+                    </a:fontRef>
+                  </p:style>
+                  <p:txBody>
+                    <a:bodyPr rtlCol="0" anchor="ctr"/>
+                    <a:lstStyle/>
+                    <a:p>
+                      <a:pPr algn="ctr"/>
+                      <a:endParaRPr lang="ko-KR" altLang="en-US"/>
+                    </a:p>
+                  </p:txBody>
+                </p:sp>
+                <p:sp>
+                  <p:nvSpPr>
+                    <p:cNvPr id="20" name="TextBox 19">
+                      <a:extLst>
+                        <a:ext uri="{FF2B5EF4-FFF2-40B4-BE49-F238E27FC236}">
+                          <a16:creationId xmlns:a16="http://schemas.microsoft.com/office/drawing/2014/main" id="{852C3F29-1F3D-4205-A7D7-18B17D68E85C}"/>
+                        </a:ext>
+                      </a:extLst>
+                    </p:cNvPr>
+                    <p:cNvSpPr txBox="1"/>
+                    <p:nvPr/>
+                  </p:nvSpPr>
+                  <p:spPr>
+                    <a:xfrm>
+                      <a:off x="5906548" y="857494"/>
+                      <a:ext cx="1648441" cy="523220"/>
+                    </a:xfrm>
+                    <a:prstGeom prst="rect">
+                      <a:avLst/>
+                    </a:prstGeom>
+                    <a:solidFill>
+                      <a:schemeClr val="bg1"/>
+                    </a:solidFill>
+                    <a:scene3d>
+                      <a:camera prst="orthographicFront"/>
+                      <a:lightRig rig="threePt" dir="t"/>
+                    </a:scene3d>
+                    <a:sp3d>
+                      <a:bevelT/>
+                    </a:sp3d>
+                  </p:spPr>
+                  <p:txBody>
+                    <a:bodyPr wrap="square" rtlCol="0">
+                      <a:spAutoFit/>
+                    </a:bodyPr>
+                    <a:lstStyle/>
+                    <a:p>
+                      <a:r>
+                        <a:rPr lang="ko-KR" altLang="en-US" sz="2800" dirty="0"/>
+                        <a:t>돌아가기</a:t>
+                      </a:r>
+                    </a:p>
+                  </p:txBody>
+                </p:sp>
+                <p:sp>
+                  <p:nvSpPr>
+                    <p:cNvPr id="22" name="TextBox 21">
+                      <a:extLst>
+                        <a:ext uri="{FF2B5EF4-FFF2-40B4-BE49-F238E27FC236}">
+                          <a16:creationId xmlns:a16="http://schemas.microsoft.com/office/drawing/2014/main" id="{66F07701-BB77-4932-942B-4775F5876522}"/>
+                        </a:ext>
+                      </a:extLst>
+                    </p:cNvPr>
+                    <p:cNvSpPr txBox="1"/>
+                    <p:nvPr/>
+                  </p:nvSpPr>
+                  <p:spPr>
+                    <a:xfrm>
+                      <a:off x="5906549" y="2287436"/>
+                      <a:ext cx="1648440" cy="523220"/>
+                    </a:xfrm>
+                    <a:prstGeom prst="rect">
+                      <a:avLst/>
+                    </a:prstGeom>
+                    <a:noFill/>
+                  </p:spPr>
+                  <p:txBody>
+                    <a:bodyPr wrap="square" rtlCol="0">
+                      <a:spAutoFit/>
+                    </a:bodyPr>
+                    <a:lstStyle/>
+                    <a:p>
+                      <a:r>
+                        <a:rPr lang="ko-KR" altLang="en-US" sz="2800" dirty="0">
+                          <a:solidFill>
+                            <a:schemeClr val="bg1"/>
+                          </a:solidFill>
+                        </a:rPr>
+                        <a:t>게임종료</a:t>
+                      </a:r>
+                    </a:p>
+                  </p:txBody>
+                </p:sp>
+              </p:grpSp>
+              <p:grpSp>
+                <p:nvGrpSpPr>
+                  <p:cNvPr id="24" name="그룹 23">
                     <a:extLst>
                       <a:ext uri="{FF2B5EF4-FFF2-40B4-BE49-F238E27FC236}">
-                        <a16:creationId xmlns:a16="http://schemas.microsoft.com/office/drawing/2014/main" id="{66F07701-BB77-4932-942B-4775F5876522}"/>
+                        <a16:creationId xmlns:a16="http://schemas.microsoft.com/office/drawing/2014/main" id="{E707CF4E-E21E-47C2-A303-26A909DF5424}"/>
                       </a:ext>
                     </a:extLst>
                   </p:cNvPr>
-                  <p:cNvSpPr txBox="1"/>
+                  <p:cNvGrpSpPr/>
                   <p:nvPr/>
-                </p:nvSpPr>
-                <p:spPr>
+                </p:nvGrpSpPr>
+                <p:grpSpPr>
                   <a:xfrm>
-                    <a:off x="5906549" y="2287436"/>
-                    <a:ext cx="1648440" cy="523220"/>
+                    <a:off x="8450510" y="696284"/>
+                    <a:ext cx="3741490" cy="2244052"/>
+                    <a:chOff x="4825351" y="696285"/>
+                    <a:chExt cx="3741490" cy="2244052"/>
                   </a:xfrm>
-                  <a:prstGeom prst="rect">
-                    <a:avLst/>
-                  </a:prstGeom>
-                  <a:noFill/>
-                </p:spPr>
-                <p:txBody>
-                  <a:bodyPr wrap="square" rtlCol="0">
-                    <a:spAutoFit/>
-                  </a:bodyPr>
-                  <a:lstStyle/>
-                  <a:p>
-                    <a:r>
-                      <a:rPr lang="ko-KR" altLang="en-US" sz="2800" dirty="0">
-                        <a:solidFill>
-                          <a:schemeClr val="bg1"/>
-                        </a:solidFill>
-                      </a:rPr>
-                      <a:t>게임종료</a:t>
-                    </a:r>
-                  </a:p>
-                </p:txBody>
-              </p:sp>
+                </p:grpSpPr>
+                <p:sp>
+                  <p:nvSpPr>
+                    <p:cNvPr id="25" name="직사각형 24">
+                      <a:extLst>
+                        <a:ext uri="{FF2B5EF4-FFF2-40B4-BE49-F238E27FC236}">
+                          <a16:creationId xmlns:a16="http://schemas.microsoft.com/office/drawing/2014/main" id="{C04D7080-C98D-49AB-8734-A4B0334C5355}"/>
+                        </a:ext>
+                      </a:extLst>
+                    </p:cNvPr>
+                    <p:cNvSpPr/>
+                    <p:nvPr/>
+                  </p:nvSpPr>
+                  <p:spPr>
+                    <a:xfrm>
+                      <a:off x="4825351" y="696285"/>
+                      <a:ext cx="3741490" cy="2244052"/>
+                    </a:xfrm>
+                    <a:prstGeom prst="rect">
+                      <a:avLst/>
+                    </a:prstGeom>
+                    <a:solidFill>
+                      <a:schemeClr val="tx1"/>
+                    </a:solidFill>
+                    <a:ln>
+                      <a:solidFill>
+                        <a:schemeClr val="tx1"/>
+                      </a:solidFill>
+                    </a:ln>
+                  </p:spPr>
+                  <p:style>
+                    <a:lnRef idx="2">
+                      <a:schemeClr val="accent1">
+                        <a:shade val="50000"/>
+                      </a:schemeClr>
+                    </a:lnRef>
+                    <a:fillRef idx="1">
+                      <a:schemeClr val="accent1"/>
+                    </a:fillRef>
+                    <a:effectRef idx="0">
+                      <a:schemeClr val="accent1"/>
+                    </a:effectRef>
+                    <a:fontRef idx="minor">
+                      <a:schemeClr val="lt1"/>
+                    </a:fontRef>
+                  </p:style>
+                  <p:txBody>
+                    <a:bodyPr rtlCol="0" anchor="ctr"/>
+                    <a:lstStyle/>
+                    <a:p>
+                      <a:pPr algn="ctr"/>
+                      <a:endParaRPr lang="ko-KR" altLang="en-US"/>
+                    </a:p>
+                  </p:txBody>
+                </p:sp>
+                <p:sp>
+                  <p:nvSpPr>
+                    <p:cNvPr id="26" name="TextBox 25">
+                      <a:extLst>
+                        <a:ext uri="{FF2B5EF4-FFF2-40B4-BE49-F238E27FC236}">
+                          <a16:creationId xmlns:a16="http://schemas.microsoft.com/office/drawing/2014/main" id="{6F4AB56E-9A18-49F5-B41C-175E5D041CAE}"/>
+                        </a:ext>
+                      </a:extLst>
+                    </p:cNvPr>
+                    <p:cNvSpPr txBox="1"/>
+                    <p:nvPr/>
+                  </p:nvSpPr>
+                  <p:spPr>
+                    <a:xfrm>
+                      <a:off x="5882900" y="857494"/>
+                      <a:ext cx="1648441" cy="523220"/>
+                    </a:xfrm>
+                    <a:prstGeom prst="rect">
+                      <a:avLst/>
+                    </a:prstGeom>
+                    <a:noFill/>
+                    <a:ln>
+                      <a:solidFill>
+                        <a:schemeClr val="tx1"/>
+                      </a:solidFill>
+                    </a:ln>
+                  </p:spPr>
+                  <p:txBody>
+                    <a:bodyPr wrap="square" rtlCol="0">
+                      <a:spAutoFit/>
+                    </a:bodyPr>
+                    <a:lstStyle/>
+                    <a:p>
+                      <a:r>
+                        <a:rPr lang="ko-KR" altLang="en-US" sz="2800" dirty="0">
+                          <a:solidFill>
+                            <a:schemeClr val="bg1"/>
+                          </a:solidFill>
+                        </a:rPr>
+                        <a:t>돌아가기</a:t>
+                      </a:r>
+                    </a:p>
+                  </p:txBody>
+                </p:sp>
+                <p:sp>
+                  <p:nvSpPr>
+                    <p:cNvPr id="28" name="TextBox 27">
+                      <a:extLst>
+                        <a:ext uri="{FF2B5EF4-FFF2-40B4-BE49-F238E27FC236}">
+                          <a16:creationId xmlns:a16="http://schemas.microsoft.com/office/drawing/2014/main" id="{A2B145CD-84DD-463A-A57F-026E916E8113}"/>
+                        </a:ext>
+                      </a:extLst>
+                    </p:cNvPr>
+                    <p:cNvSpPr txBox="1"/>
+                    <p:nvPr/>
+                  </p:nvSpPr>
+                  <p:spPr>
+                    <a:xfrm>
+                      <a:off x="5893926" y="2287436"/>
+                      <a:ext cx="1648440" cy="523220"/>
+                    </a:xfrm>
+                    <a:prstGeom prst="rect">
+                      <a:avLst/>
+                    </a:prstGeom>
+                    <a:noFill/>
+                    <a:ln>
+                      <a:solidFill>
+                        <a:schemeClr val="tx1"/>
+                      </a:solidFill>
+                    </a:ln>
+                  </p:spPr>
+                  <p:txBody>
+                    <a:bodyPr wrap="square" rtlCol="0">
+                      <a:spAutoFit/>
+                    </a:bodyPr>
+                    <a:lstStyle/>
+                    <a:p>
+                      <a:r>
+                        <a:rPr lang="ko-KR" altLang="en-US" sz="2800" dirty="0">
+                          <a:solidFill>
+                            <a:schemeClr val="bg1"/>
+                          </a:solidFill>
+                        </a:rPr>
+                        <a:t>게임종료</a:t>
+                      </a:r>
+                    </a:p>
+                  </p:txBody>
+                </p:sp>
+              </p:grpSp>
+              <p:grpSp>
+                <p:nvGrpSpPr>
+                  <p:cNvPr id="34" name="그룹 33">
+                    <a:extLst>
+                      <a:ext uri="{FF2B5EF4-FFF2-40B4-BE49-F238E27FC236}">
+                        <a16:creationId xmlns:a16="http://schemas.microsoft.com/office/drawing/2014/main" id="{CAEF4873-2637-4EEE-B748-F22F99F395F9}"/>
+                      </a:ext>
+                    </a:extLst>
+                  </p:cNvPr>
+                  <p:cNvGrpSpPr/>
+                  <p:nvPr/>
+                </p:nvGrpSpPr>
+                <p:grpSpPr>
+                  <a:xfrm>
+                    <a:off x="12192000" y="696284"/>
+                    <a:ext cx="3741490" cy="2244052"/>
+                    <a:chOff x="8361136" y="3548013"/>
+                    <a:chExt cx="3741490" cy="2244052"/>
+                  </a:xfrm>
+                </p:grpSpPr>
+                <p:sp>
+                  <p:nvSpPr>
+                    <p:cNvPr id="30" name="직사각형 29">
+                      <a:extLst>
+                        <a:ext uri="{FF2B5EF4-FFF2-40B4-BE49-F238E27FC236}">
+                          <a16:creationId xmlns:a16="http://schemas.microsoft.com/office/drawing/2014/main" id="{87D5D213-1C82-44D6-8B33-9F8B1E019220}"/>
+                        </a:ext>
+                      </a:extLst>
+                    </p:cNvPr>
+                    <p:cNvSpPr/>
+                    <p:nvPr/>
+                  </p:nvSpPr>
+                  <p:spPr>
+                    <a:xfrm>
+                      <a:off x="8361136" y="3548013"/>
+                      <a:ext cx="3741490" cy="2244052"/>
+                    </a:xfrm>
+                    <a:prstGeom prst="rect">
+                      <a:avLst/>
+                    </a:prstGeom>
+                    <a:solidFill>
+                      <a:schemeClr val="tx1"/>
+                    </a:solidFill>
+                    <a:ln>
+                      <a:solidFill>
+                        <a:schemeClr val="tx1"/>
+                      </a:solidFill>
+                    </a:ln>
+                  </p:spPr>
+                  <p:style>
+                    <a:lnRef idx="2">
+                      <a:schemeClr val="accent1">
+                        <a:shade val="50000"/>
+                      </a:schemeClr>
+                    </a:lnRef>
+                    <a:fillRef idx="1">
+                      <a:schemeClr val="accent1"/>
+                    </a:fillRef>
+                    <a:effectRef idx="0">
+                      <a:schemeClr val="accent1"/>
+                    </a:effectRef>
+                    <a:fontRef idx="minor">
+                      <a:schemeClr val="lt1"/>
+                    </a:fontRef>
+                  </p:style>
+                  <p:txBody>
+                    <a:bodyPr rtlCol="0" anchor="ctr"/>
+                    <a:lstStyle/>
+                    <a:p>
+                      <a:pPr algn="ctr"/>
+                      <a:endParaRPr lang="ko-KR" altLang="en-US"/>
+                    </a:p>
+                  </p:txBody>
+                </p:sp>
+                <p:sp>
+                  <p:nvSpPr>
+                    <p:cNvPr id="31" name="TextBox 30">
+                      <a:extLst>
+                        <a:ext uri="{FF2B5EF4-FFF2-40B4-BE49-F238E27FC236}">
+                          <a16:creationId xmlns:a16="http://schemas.microsoft.com/office/drawing/2014/main" id="{D7AADDFF-9073-4536-8EF5-56DFFAD7EFEC}"/>
+                        </a:ext>
+                      </a:extLst>
+                    </p:cNvPr>
+                    <p:cNvSpPr txBox="1"/>
+                    <p:nvPr/>
+                  </p:nvSpPr>
+                  <p:spPr>
+                    <a:xfrm>
+                      <a:off x="9407660" y="3709222"/>
+                      <a:ext cx="1648441" cy="523220"/>
+                    </a:xfrm>
+                    <a:prstGeom prst="rect">
+                      <a:avLst/>
+                    </a:prstGeom>
+                    <a:noFill/>
+                    <a:ln>
+                      <a:solidFill>
+                        <a:schemeClr val="tx1"/>
+                      </a:solidFill>
+                    </a:ln>
+                  </p:spPr>
+                  <p:txBody>
+                    <a:bodyPr wrap="square" rtlCol="0">
+                      <a:spAutoFit/>
+                    </a:bodyPr>
+                    <a:lstStyle/>
+                    <a:p>
+                      <a:r>
+                        <a:rPr lang="ko-KR" altLang="en-US" sz="2800" dirty="0">
+                          <a:solidFill>
+                            <a:schemeClr val="bg1"/>
+                          </a:solidFill>
+                        </a:rPr>
+                        <a:t>돌아가기</a:t>
+                      </a:r>
+                    </a:p>
+                  </p:txBody>
+                </p:sp>
+                <p:sp>
+                  <p:nvSpPr>
+                    <p:cNvPr id="32" name="TextBox 31">
+                      <a:extLst>
+                        <a:ext uri="{FF2B5EF4-FFF2-40B4-BE49-F238E27FC236}">
+                          <a16:creationId xmlns:a16="http://schemas.microsoft.com/office/drawing/2014/main" id="{40358653-F9A2-4D63-910B-129BE380E399}"/>
+                        </a:ext>
+                      </a:extLst>
+                    </p:cNvPr>
+                    <p:cNvSpPr txBox="1"/>
+                    <p:nvPr/>
+                  </p:nvSpPr>
+                  <p:spPr>
+                    <a:xfrm>
+                      <a:off x="9596390" y="4430766"/>
+                      <a:ext cx="1270981" cy="523220"/>
+                    </a:xfrm>
+                    <a:prstGeom prst="rect">
+                      <a:avLst/>
+                    </a:prstGeom>
+                    <a:noFill/>
+                    <a:ln>
+                      <a:solidFill>
+                        <a:schemeClr val="tx1"/>
+                      </a:solidFill>
+                    </a:ln>
+                  </p:spPr>
+                  <p:txBody>
+                    <a:bodyPr wrap="square" rtlCol="0">
+                      <a:spAutoFit/>
+                    </a:bodyPr>
+                    <a:lstStyle/>
+                    <a:p>
+                      <a:r>
+                        <a:rPr lang="ko-KR" altLang="en-US" sz="2800" dirty="0">
+                          <a:solidFill>
+                            <a:schemeClr val="bg1"/>
+                          </a:solidFill>
+                        </a:rPr>
+                        <a:t>도움말</a:t>
+                      </a:r>
+                    </a:p>
+                  </p:txBody>
+                </p:sp>
+                <p:sp>
+                  <p:nvSpPr>
+                    <p:cNvPr id="33" name="TextBox 32">
+                      <a:extLst>
+                        <a:ext uri="{FF2B5EF4-FFF2-40B4-BE49-F238E27FC236}">
+                          <a16:creationId xmlns:a16="http://schemas.microsoft.com/office/drawing/2014/main" id="{B7BF65CC-8C65-4E77-84C0-452C010C88E6}"/>
+                        </a:ext>
+                      </a:extLst>
+                    </p:cNvPr>
+                    <p:cNvSpPr txBox="1"/>
+                    <p:nvPr/>
+                  </p:nvSpPr>
+                  <p:spPr>
+                    <a:xfrm>
+                      <a:off x="9454955" y="5139164"/>
+                      <a:ext cx="1648440" cy="523220"/>
+                    </a:xfrm>
+                    <a:prstGeom prst="rect">
+                      <a:avLst/>
+                    </a:prstGeom>
+                    <a:solidFill>
+                      <a:schemeClr val="bg1"/>
+                    </a:solidFill>
+                    <a:ln>
+                      <a:solidFill>
+                        <a:schemeClr val="tx1"/>
+                      </a:solidFill>
+                    </a:ln>
+                    <a:scene3d>
+                      <a:camera prst="orthographicFront"/>
+                      <a:lightRig rig="threePt" dir="t"/>
+                    </a:scene3d>
+                    <a:sp3d>
+                      <a:bevelT/>
+                    </a:sp3d>
+                  </p:spPr>
+                  <p:txBody>
+                    <a:bodyPr wrap="square" rtlCol="0">
+                      <a:spAutoFit/>
+                    </a:bodyPr>
+                    <a:lstStyle/>
+                    <a:p>
+                      <a:r>
+                        <a:rPr lang="ko-KR" altLang="en-US" sz="2800" dirty="0"/>
+                        <a:t>게임종료</a:t>
+                      </a:r>
+                    </a:p>
+                  </p:txBody>
+                </p:sp>
+              </p:grpSp>
             </p:grpSp>
-            <p:grpSp>
-              <p:nvGrpSpPr>
-                <p:cNvPr id="24" name="그룹 23">
+            <p:sp>
+              <p:nvSpPr>
+                <p:cNvPr id="29" name="TextBox 28">
                   <a:extLst>
                     <a:ext uri="{FF2B5EF4-FFF2-40B4-BE49-F238E27FC236}">
-                      <a16:creationId xmlns:a16="http://schemas.microsoft.com/office/drawing/2014/main" id="{E707CF4E-E21E-47C2-A303-26A909DF5424}"/>
+                      <a16:creationId xmlns:a16="http://schemas.microsoft.com/office/drawing/2014/main" id="{17A4782F-0AF8-4F6A-8FAF-131546C7286D}"/>
                     </a:ext>
                   </a:extLst>
                 </p:cNvPr>
-                <p:cNvGrpSpPr/>
+                <p:cNvSpPr txBox="1"/>
                 <p:nvPr/>
-              </p:nvGrpSpPr>
-              <p:grpSpPr>
+              </p:nvSpPr>
+              <p:spPr>
                 <a:xfrm>
-                  <a:off x="8450510" y="696284"/>
-                  <a:ext cx="3741490" cy="2244052"/>
-                  <a:chOff x="4825351" y="696285"/>
-                  <a:chExt cx="3741490" cy="2244052"/>
+                  <a:off x="2224834" y="1579117"/>
+                  <a:ext cx="1270981" cy="523220"/>
                 </a:xfrm>
-              </p:grpSpPr>
-              <p:sp>
-                <p:nvSpPr>
-                  <p:cNvPr id="25" name="직사각형 24">
-                    <a:extLst>
-                      <a:ext uri="{FF2B5EF4-FFF2-40B4-BE49-F238E27FC236}">
-                        <a16:creationId xmlns:a16="http://schemas.microsoft.com/office/drawing/2014/main" id="{C04D7080-C98D-49AB-8734-A4B0334C5355}"/>
-                      </a:ext>
-                    </a:extLst>
-                  </p:cNvPr>
-                  <p:cNvSpPr/>
-                  <p:nvPr/>
-                </p:nvSpPr>
-                <p:spPr>
-                  <a:xfrm>
-                    <a:off x="4825351" y="696285"/>
-                    <a:ext cx="3741490" cy="2244052"/>
-                  </a:xfrm>
-                  <a:prstGeom prst="rect">
-                    <a:avLst/>
-                  </a:prstGeom>
+                <a:prstGeom prst="rect">
+                  <a:avLst/>
+                </a:prstGeom>
+                <a:noFill/>
+              </p:spPr>
+              <p:txBody>
+                <a:bodyPr wrap="square" rtlCol="0">
+                  <a:spAutoFit/>
+                </a:bodyPr>
+                <a:lstStyle/>
+                <a:p>
+                  <a:r>
+                    <a:rPr lang="ko-KR" altLang="en-US" sz="2800" dirty="0">
+                      <a:solidFill>
+                        <a:schemeClr val="bg1"/>
+                      </a:solidFill>
+                    </a:rPr>
+                    <a:t>도움말</a:t>
+                  </a:r>
+                </a:p>
+              </p:txBody>
+            </p:sp>
+            <p:sp>
+              <p:nvSpPr>
+                <p:cNvPr id="35" name="TextBox 34">
+                  <a:extLst>
+                    <a:ext uri="{FF2B5EF4-FFF2-40B4-BE49-F238E27FC236}">
+                      <a16:creationId xmlns:a16="http://schemas.microsoft.com/office/drawing/2014/main" id="{1F62E286-DDEF-48C2-8DFE-BD95586AFE6A}"/>
+                    </a:ext>
+                  </a:extLst>
+                </p:cNvPr>
+                <p:cNvSpPr txBox="1"/>
+                <p:nvPr/>
+              </p:nvSpPr>
+              <p:spPr>
+                <a:xfrm>
+                  <a:off x="2024121" y="857493"/>
+                  <a:ext cx="1648441" cy="523220"/>
+                </a:xfrm>
+                <a:prstGeom prst="rect">
+                  <a:avLst/>
+                </a:prstGeom>
+                <a:noFill/>
+                <a:ln>
                   <a:solidFill>
                     <a:schemeClr val="tx1"/>
                   </a:solidFill>
-                  <a:ln>
-                    <a:solidFill>
-                      <a:schemeClr val="tx1"/>
-                    </a:solidFill>
-                  </a:ln>
-                </p:spPr>
-                <p:style>
-                  <a:lnRef idx="2">
-                    <a:schemeClr val="accent1">
-                      <a:shade val="50000"/>
-                    </a:schemeClr>
-                  </a:lnRef>
-                  <a:fillRef idx="1">
-                    <a:schemeClr val="accent1"/>
-                  </a:fillRef>
-                  <a:effectRef idx="0">
-                    <a:schemeClr val="accent1"/>
-                  </a:effectRef>
-                  <a:fontRef idx="minor">
-                    <a:schemeClr val="lt1"/>
-                  </a:fontRef>
-                </p:style>
-                <p:txBody>
-                  <a:bodyPr rtlCol="0" anchor="ctr"/>
-                  <a:lstStyle/>
-                  <a:p>
-                    <a:pPr algn="ctr"/>
-                    <a:endParaRPr lang="ko-KR" altLang="en-US"/>
-                  </a:p>
-                </p:txBody>
-              </p:sp>
-              <p:sp>
-                <p:nvSpPr>
-                  <p:cNvPr id="26" name="TextBox 25">
-                    <a:extLst>
-                      <a:ext uri="{FF2B5EF4-FFF2-40B4-BE49-F238E27FC236}">
-                        <a16:creationId xmlns:a16="http://schemas.microsoft.com/office/drawing/2014/main" id="{6F4AB56E-9A18-49F5-B41C-175E5D041CAE}"/>
-                      </a:ext>
-                    </a:extLst>
-                  </p:cNvPr>
-                  <p:cNvSpPr txBox="1"/>
-                  <p:nvPr/>
-                </p:nvSpPr>
-                <p:spPr>
-                  <a:xfrm>
-                    <a:off x="5906548" y="857494"/>
-                    <a:ext cx="1648441" cy="523220"/>
-                  </a:xfrm>
-                  <a:prstGeom prst="rect">
-                    <a:avLst/>
-                  </a:prstGeom>
-                  <a:noFill/>
-                  <a:ln>
-                    <a:solidFill>
-                      <a:schemeClr val="tx1"/>
-                    </a:solidFill>
-                  </a:ln>
-                </p:spPr>
-                <p:txBody>
-                  <a:bodyPr wrap="square" rtlCol="0">
-                    <a:spAutoFit/>
-                  </a:bodyPr>
-                  <a:lstStyle/>
-                  <a:p>
-                    <a:r>
-                      <a:rPr lang="ko-KR" altLang="en-US" sz="2800" dirty="0">
-                        <a:solidFill>
-                          <a:schemeClr val="bg1"/>
-                        </a:solidFill>
-                      </a:rPr>
-                      <a:t>돌아가기</a:t>
-                    </a:r>
-                  </a:p>
-                </p:txBody>
-              </p:sp>
-              <p:sp>
-                <p:nvSpPr>
-                  <p:cNvPr id="27" name="TextBox 26">
-                    <a:extLst>
-                      <a:ext uri="{FF2B5EF4-FFF2-40B4-BE49-F238E27FC236}">
-                        <a16:creationId xmlns:a16="http://schemas.microsoft.com/office/drawing/2014/main" id="{4C6878A8-9446-4A99-AD63-46D8247FD316}"/>
-                      </a:ext>
-                    </a:extLst>
-                  </p:cNvPr>
-                  <p:cNvSpPr txBox="1"/>
-                  <p:nvPr/>
-                </p:nvSpPr>
-                <p:spPr>
-                  <a:xfrm>
-                    <a:off x="6101590" y="1572465"/>
-                    <a:ext cx="1270981" cy="523220"/>
-                  </a:xfrm>
-                  <a:prstGeom prst="rect">
-                    <a:avLst/>
-                  </a:prstGeom>
-                  <a:solidFill>
-                    <a:schemeClr val="bg1"/>
-                  </a:solidFill>
-                  <a:ln>
-                    <a:solidFill>
-                      <a:schemeClr val="tx1"/>
-                    </a:solidFill>
-                  </a:ln>
-                  <a:scene3d>
-                    <a:camera prst="orthographicFront"/>
-                    <a:lightRig rig="threePt" dir="t"/>
-                  </a:scene3d>
-                  <a:sp3d>
-                    <a:bevelT/>
-                  </a:sp3d>
-                </p:spPr>
-                <p:txBody>
-                  <a:bodyPr wrap="square" rtlCol="0">
-                    <a:spAutoFit/>
-                  </a:bodyPr>
-                  <a:lstStyle/>
-                  <a:p>
-                    <a:r>
-                      <a:rPr lang="ko-KR" altLang="en-US" sz="2800" dirty="0"/>
-                      <a:t>도움말</a:t>
-                    </a:r>
-                  </a:p>
-                </p:txBody>
-              </p:sp>
-              <p:sp>
-                <p:nvSpPr>
-                  <p:cNvPr id="28" name="TextBox 27">
-                    <a:extLst>
-                      <a:ext uri="{FF2B5EF4-FFF2-40B4-BE49-F238E27FC236}">
-                        <a16:creationId xmlns:a16="http://schemas.microsoft.com/office/drawing/2014/main" id="{A2B145CD-84DD-463A-A57F-026E916E8113}"/>
-                      </a:ext>
-                    </a:extLst>
-                  </p:cNvPr>
-                  <p:cNvSpPr txBox="1"/>
-                  <p:nvPr/>
-                </p:nvSpPr>
-                <p:spPr>
-                  <a:xfrm>
-                    <a:off x="5906549" y="2287436"/>
-                    <a:ext cx="1648440" cy="523220"/>
-                  </a:xfrm>
-                  <a:prstGeom prst="rect">
-                    <a:avLst/>
-                  </a:prstGeom>
-                  <a:noFill/>
-                  <a:ln>
-                    <a:solidFill>
-                      <a:schemeClr val="tx1"/>
-                    </a:solidFill>
-                  </a:ln>
-                </p:spPr>
-                <p:txBody>
-                  <a:bodyPr wrap="square" rtlCol="0">
-                    <a:spAutoFit/>
-                  </a:bodyPr>
-                  <a:lstStyle/>
-                  <a:p>
-                    <a:r>
-                      <a:rPr lang="ko-KR" altLang="en-US" sz="2800" dirty="0">
-                        <a:solidFill>
-                          <a:schemeClr val="bg1"/>
-                        </a:solidFill>
-                      </a:rPr>
-                      <a:t>게임종료</a:t>
-                    </a:r>
-                  </a:p>
-                </p:txBody>
-              </p:sp>
-            </p:grpSp>
-            <p:grpSp>
-              <p:nvGrpSpPr>
-                <p:cNvPr id="34" name="그룹 33">
+                </a:ln>
+              </p:spPr>
+              <p:txBody>
+                <a:bodyPr wrap="square" rtlCol="0">
+                  <a:spAutoFit/>
+                </a:bodyPr>
+                <a:lstStyle/>
+                <a:p>
+                  <a:r>
+                    <a:rPr lang="ko-KR" altLang="en-US" sz="2800" dirty="0">
+                      <a:solidFill>
+                        <a:schemeClr val="bg1"/>
+                      </a:solidFill>
+                    </a:rPr>
+                    <a:t>돌아가기</a:t>
+                  </a:r>
+                </a:p>
+              </p:txBody>
+            </p:sp>
+            <p:sp>
+              <p:nvSpPr>
+                <p:cNvPr id="36" name="TextBox 35">
                   <a:extLst>
                     <a:ext uri="{FF2B5EF4-FFF2-40B4-BE49-F238E27FC236}">
-                      <a16:creationId xmlns:a16="http://schemas.microsoft.com/office/drawing/2014/main" id="{CAEF4873-2637-4EEE-B748-F22F99F395F9}"/>
+                      <a16:creationId xmlns:a16="http://schemas.microsoft.com/office/drawing/2014/main" id="{3AFB4382-7BEC-44D0-9BDA-EA030E018781}"/>
                     </a:ext>
                   </a:extLst>
                 </p:cNvPr>
-                <p:cNvGrpSpPr/>
+                <p:cNvSpPr txBox="1"/>
                 <p:nvPr/>
-              </p:nvGrpSpPr>
-              <p:grpSpPr>
+              </p:nvSpPr>
+              <p:spPr>
                 <a:xfrm>
-                  <a:off x="12192000" y="696284"/>
-                  <a:ext cx="3741490" cy="2244052"/>
-                  <a:chOff x="8361136" y="3548013"/>
-                  <a:chExt cx="3741490" cy="2244052"/>
+                  <a:off x="2036105" y="2287435"/>
+                  <a:ext cx="1648440" cy="523220"/>
                 </a:xfrm>
-              </p:grpSpPr>
-              <p:sp>
-                <p:nvSpPr>
-                  <p:cNvPr id="30" name="직사각형 29">
-                    <a:extLst>
-                      <a:ext uri="{FF2B5EF4-FFF2-40B4-BE49-F238E27FC236}">
-                        <a16:creationId xmlns:a16="http://schemas.microsoft.com/office/drawing/2014/main" id="{87D5D213-1C82-44D6-8B33-9F8B1E019220}"/>
-                      </a:ext>
-                    </a:extLst>
-                  </p:cNvPr>
-                  <p:cNvSpPr/>
-                  <p:nvPr/>
-                </p:nvSpPr>
-                <p:spPr>
-                  <a:xfrm>
-                    <a:off x="8361136" y="3548013"/>
-                    <a:ext cx="3741490" cy="2244052"/>
-                  </a:xfrm>
-                  <a:prstGeom prst="rect">
-                    <a:avLst/>
-                  </a:prstGeom>
-                  <a:solidFill>
-                    <a:schemeClr val="tx1"/>
-                  </a:solidFill>
-                  <a:ln>
-                    <a:solidFill>
-                      <a:schemeClr val="tx1"/>
-                    </a:solidFill>
-                  </a:ln>
-                </p:spPr>
-                <p:style>
-                  <a:lnRef idx="2">
-                    <a:schemeClr val="accent1">
-                      <a:shade val="50000"/>
-                    </a:schemeClr>
-                  </a:lnRef>
-                  <a:fillRef idx="1">
-                    <a:schemeClr val="accent1"/>
-                  </a:fillRef>
-                  <a:effectRef idx="0">
-                    <a:schemeClr val="accent1"/>
-                  </a:effectRef>
-                  <a:fontRef idx="minor">
-                    <a:schemeClr val="lt1"/>
-                  </a:fontRef>
-                </p:style>
-                <p:txBody>
-                  <a:bodyPr rtlCol="0" anchor="ctr"/>
-                  <a:lstStyle/>
-                  <a:p>
-                    <a:pPr algn="ctr"/>
-                    <a:endParaRPr lang="ko-KR" altLang="en-US"/>
-                  </a:p>
-                </p:txBody>
-              </p:sp>
-              <p:sp>
-                <p:nvSpPr>
-                  <p:cNvPr id="31" name="TextBox 30">
-                    <a:extLst>
-                      <a:ext uri="{FF2B5EF4-FFF2-40B4-BE49-F238E27FC236}">
-                        <a16:creationId xmlns:a16="http://schemas.microsoft.com/office/drawing/2014/main" id="{D7AADDFF-9073-4536-8EF5-56DFFAD7EFEC}"/>
-                      </a:ext>
-                    </a:extLst>
-                  </p:cNvPr>
-                  <p:cNvSpPr txBox="1"/>
-                  <p:nvPr/>
-                </p:nvSpPr>
-                <p:spPr>
-                  <a:xfrm>
-                    <a:off x="9454954" y="3709222"/>
-                    <a:ext cx="1648441" cy="523220"/>
-                  </a:xfrm>
-                  <a:prstGeom prst="rect">
-                    <a:avLst/>
-                  </a:prstGeom>
-                  <a:noFill/>
-                  <a:ln>
-                    <a:solidFill>
-                      <a:schemeClr val="tx1"/>
-                    </a:solidFill>
-                  </a:ln>
-                </p:spPr>
-                <p:txBody>
-                  <a:bodyPr wrap="square" rtlCol="0">
-                    <a:spAutoFit/>
-                  </a:bodyPr>
-                  <a:lstStyle/>
-                  <a:p>
-                    <a:r>
-                      <a:rPr lang="ko-KR" altLang="en-US" sz="2800" dirty="0">
-                        <a:solidFill>
-                          <a:schemeClr val="bg1"/>
-                        </a:solidFill>
-                      </a:rPr>
-                      <a:t>돌아가기</a:t>
-                    </a:r>
-                  </a:p>
-                </p:txBody>
-              </p:sp>
-              <p:sp>
-                <p:nvSpPr>
-                  <p:cNvPr id="32" name="TextBox 31">
-                    <a:extLst>
-                      <a:ext uri="{FF2B5EF4-FFF2-40B4-BE49-F238E27FC236}">
-                        <a16:creationId xmlns:a16="http://schemas.microsoft.com/office/drawing/2014/main" id="{40358653-F9A2-4D63-910B-129BE380E399}"/>
-                      </a:ext>
-                    </a:extLst>
-                  </p:cNvPr>
-                  <p:cNvSpPr txBox="1"/>
-                  <p:nvPr/>
-                </p:nvSpPr>
-                <p:spPr>
-                  <a:xfrm>
-                    <a:off x="9649996" y="4424193"/>
-                    <a:ext cx="1270981" cy="523220"/>
-                  </a:xfrm>
-                  <a:prstGeom prst="rect">
-                    <a:avLst/>
-                  </a:prstGeom>
-                  <a:noFill/>
-                  <a:ln>
-                    <a:solidFill>
-                      <a:schemeClr val="tx1"/>
-                    </a:solidFill>
-                  </a:ln>
-                </p:spPr>
-                <p:txBody>
-                  <a:bodyPr wrap="square" rtlCol="0">
-                    <a:spAutoFit/>
-                  </a:bodyPr>
-                  <a:lstStyle/>
-                  <a:p>
-                    <a:r>
-                      <a:rPr lang="ko-KR" altLang="en-US" sz="2800" dirty="0">
-                        <a:solidFill>
-                          <a:schemeClr val="bg1"/>
-                        </a:solidFill>
-                      </a:rPr>
-                      <a:t>도움말</a:t>
-                    </a:r>
-                  </a:p>
-                </p:txBody>
-              </p:sp>
-              <p:sp>
-                <p:nvSpPr>
-                  <p:cNvPr id="33" name="TextBox 32">
-                    <a:extLst>
-                      <a:ext uri="{FF2B5EF4-FFF2-40B4-BE49-F238E27FC236}">
-                        <a16:creationId xmlns:a16="http://schemas.microsoft.com/office/drawing/2014/main" id="{B7BF65CC-8C65-4E77-84C0-452C010C88E6}"/>
-                      </a:ext>
-                    </a:extLst>
-                  </p:cNvPr>
-                  <p:cNvSpPr txBox="1"/>
-                  <p:nvPr/>
-                </p:nvSpPr>
-                <p:spPr>
-                  <a:xfrm>
-                    <a:off x="9454955" y="5139164"/>
-                    <a:ext cx="1648440" cy="523220"/>
-                  </a:xfrm>
-                  <a:prstGeom prst="rect">
-                    <a:avLst/>
-                  </a:prstGeom>
-                  <a:solidFill>
-                    <a:schemeClr val="bg1"/>
-                  </a:solidFill>
-                  <a:ln>
-                    <a:solidFill>
-                      <a:schemeClr val="tx1"/>
-                    </a:solidFill>
-                  </a:ln>
-                  <a:scene3d>
-                    <a:camera prst="orthographicFront"/>
-                    <a:lightRig rig="threePt" dir="t"/>
-                  </a:scene3d>
-                  <a:sp3d>
-                    <a:bevelT/>
-                  </a:sp3d>
-                </p:spPr>
-                <p:txBody>
-                  <a:bodyPr wrap="square" rtlCol="0">
-                    <a:spAutoFit/>
-                  </a:bodyPr>
-                  <a:lstStyle/>
-                  <a:p>
-                    <a:r>
-                      <a:rPr lang="ko-KR" altLang="en-US" sz="2800" dirty="0"/>
-                      <a:t>게임종료</a:t>
-                    </a:r>
-                  </a:p>
-                </p:txBody>
-              </p:sp>
-            </p:grpSp>
+                <a:prstGeom prst="rect">
+                  <a:avLst/>
+                </a:prstGeom>
+                <a:noFill/>
+              </p:spPr>
+              <p:txBody>
+                <a:bodyPr wrap="square" rtlCol="0">
+                  <a:spAutoFit/>
+                </a:bodyPr>
+                <a:lstStyle/>
+                <a:p>
+                  <a:r>
+                    <a:rPr lang="ko-KR" altLang="en-US" sz="2800" dirty="0">
+                      <a:solidFill>
+                        <a:schemeClr val="bg1"/>
+                      </a:solidFill>
+                    </a:rPr>
+                    <a:t>게임종료</a:t>
+                  </a:r>
+                </a:p>
+              </p:txBody>
+            </p:sp>
           </p:grpSp>
           <p:sp>
             <p:nvSpPr>
-              <p:cNvPr id="29" name="TextBox 28">
+              <p:cNvPr id="37" name="TextBox 36">
                 <a:extLst>
                   <a:ext uri="{FF2B5EF4-FFF2-40B4-BE49-F238E27FC236}">
-                    <a16:creationId xmlns:a16="http://schemas.microsoft.com/office/drawing/2014/main" id="{17A4782F-0AF8-4F6A-8FAF-131546C7286D}"/>
+                    <a16:creationId xmlns:a16="http://schemas.microsoft.com/office/drawing/2014/main" id="{4B1F8190-E096-45DB-B376-DB49724112EF}"/>
                   </a:ext>
                 </a:extLst>
               </p:cNvPr>
@@ -4362,7 +4456,7 @@
             </p:nvSpPr>
             <p:spPr>
               <a:xfrm>
-                <a:off x="2224834" y="1579117"/>
+                <a:off x="5966324" y="1579037"/>
                 <a:ext cx="1270981" cy="523220"/>
               </a:xfrm>
               <a:prstGeom prst="rect">
@@ -4387,96 +4481,13 @@
               </a:p>
             </p:txBody>
           </p:sp>
-          <p:sp>
-            <p:nvSpPr>
-              <p:cNvPr id="35" name="TextBox 34">
-                <a:extLst>
-                  <a:ext uri="{FF2B5EF4-FFF2-40B4-BE49-F238E27FC236}">
-                    <a16:creationId xmlns:a16="http://schemas.microsoft.com/office/drawing/2014/main" id="{1F62E286-DDEF-48C2-8DFE-BD95586AFE6A}"/>
-                  </a:ext>
-                </a:extLst>
-              </p:cNvPr>
-              <p:cNvSpPr txBox="1"/>
-              <p:nvPr/>
-            </p:nvSpPr>
-            <p:spPr>
-              <a:xfrm>
-                <a:off x="2024121" y="857493"/>
-                <a:ext cx="1648441" cy="523220"/>
-              </a:xfrm>
-              <a:prstGeom prst="rect">
-                <a:avLst/>
-              </a:prstGeom>
-              <a:noFill/>
-              <a:ln>
-                <a:solidFill>
-                  <a:schemeClr val="tx1"/>
-                </a:solidFill>
-              </a:ln>
-            </p:spPr>
-            <p:txBody>
-              <a:bodyPr wrap="square" rtlCol="0">
-                <a:spAutoFit/>
-              </a:bodyPr>
-              <a:lstStyle/>
-              <a:p>
-                <a:r>
-                  <a:rPr lang="ko-KR" altLang="en-US" sz="2800" dirty="0">
-                    <a:solidFill>
-                      <a:schemeClr val="bg1"/>
-                    </a:solidFill>
-                  </a:rPr>
-                  <a:t>돌아가기</a:t>
-                </a:r>
-              </a:p>
-            </p:txBody>
-          </p:sp>
-          <p:sp>
-            <p:nvSpPr>
-              <p:cNvPr id="36" name="TextBox 35">
-                <a:extLst>
-                  <a:ext uri="{FF2B5EF4-FFF2-40B4-BE49-F238E27FC236}">
-                    <a16:creationId xmlns:a16="http://schemas.microsoft.com/office/drawing/2014/main" id="{3AFB4382-7BEC-44D0-9BDA-EA030E018781}"/>
-                  </a:ext>
-                </a:extLst>
-              </p:cNvPr>
-              <p:cNvSpPr txBox="1"/>
-              <p:nvPr/>
-            </p:nvSpPr>
-            <p:spPr>
-              <a:xfrm>
-                <a:off x="2036105" y="2287435"/>
-                <a:ext cx="1648440" cy="523220"/>
-              </a:xfrm>
-              <a:prstGeom prst="rect">
-                <a:avLst/>
-              </a:prstGeom>
-              <a:noFill/>
-            </p:spPr>
-            <p:txBody>
-              <a:bodyPr wrap="square" rtlCol="0">
-                <a:spAutoFit/>
-              </a:bodyPr>
-              <a:lstStyle/>
-              <a:p>
-                <a:r>
-                  <a:rPr lang="ko-KR" altLang="en-US" sz="2800" dirty="0">
-                    <a:solidFill>
-                      <a:schemeClr val="bg1"/>
-                    </a:solidFill>
-                  </a:rPr>
-                  <a:t>게임종료</a:t>
-                </a:r>
-              </a:p>
-            </p:txBody>
-          </p:sp>
         </p:grpSp>
         <p:sp>
           <p:nvSpPr>
-            <p:cNvPr id="37" name="TextBox 36">
+            <p:cNvPr id="38" name="TextBox 37">
               <a:extLst>
                 <a:ext uri="{FF2B5EF4-FFF2-40B4-BE49-F238E27FC236}">
-                  <a16:creationId xmlns:a16="http://schemas.microsoft.com/office/drawing/2014/main" id="{4B1F8190-E096-45DB-B376-DB49724112EF}"/>
+                  <a16:creationId xmlns:a16="http://schemas.microsoft.com/office/drawing/2014/main" id="{131DB4D9-14CD-424C-B563-62E92015550C}"/>
                 </a:ext>
               </a:extLst>
             </p:cNvPr>
@@ -4485,13 +4496,27 @@
           </p:nvSpPr>
           <p:spPr>
             <a:xfrm>
-              <a:off x="5966324" y="1579037"/>
-              <a:ext cx="1270981" cy="523220"/>
+              <a:off x="9508058" y="1572464"/>
+              <a:ext cx="1648439" cy="523220"/>
             </a:xfrm>
             <a:prstGeom prst="rect">
               <a:avLst/>
             </a:prstGeom>
-            <a:noFill/>
+            <a:solidFill>
+              <a:schemeClr val="bg1"/>
+            </a:solidFill>
+            <a:ln>
+              <a:solidFill>
+                <a:schemeClr val="tx1"/>
+              </a:solidFill>
+            </a:ln>
+            <a:scene3d>
+              <a:camera prst="orthographicFront"/>
+              <a:lightRig rig="threePt" dir="t"/>
+            </a:scene3d>
+            <a:sp3d>
+              <a:bevelT/>
+            </a:sp3d>
           </p:spPr>
           <p:txBody>
             <a:bodyPr wrap="square" rtlCol="0">
@@ -4500,11 +4525,15 @@
             <a:lstStyle/>
             <a:p>
               <a:r>
-                <a:rPr lang="ko-KR" altLang="en-US" sz="2800" dirty="0">
-                  <a:solidFill>
-                    <a:schemeClr val="bg1"/>
-                  </a:solidFill>
-                </a:rPr>
+                <a:rPr lang="ko-KR" altLang="en-US" sz="2800" dirty="0"/>
+                <a:t> </a:t>
+              </a:r>
+              <a:r>
+                <a:rPr lang="ko-KR" altLang="en-US" sz="1000" dirty="0"/>
+                <a:t> </a:t>
+              </a:r>
+              <a:r>
+                <a:rPr lang="ko-KR" altLang="en-US" sz="2800" dirty="0"/>
                 <a:t>도움말</a:t>
               </a:r>
             </a:p>
